--- a/fs&&event.pptx
+++ b/fs&&event.pptx
@@ -5,7 +5,7 @@
     <p:sldMasterId id="2147483648" r:id="rId1"/>
   </p:sldMasterIdLst>
   <p:notesMasterIdLst>
-    <p:notesMasterId r:id="rId16"/>
+    <p:notesMasterId r:id="rId17"/>
   </p:notesMasterIdLst>
   <p:sldIdLst>
     <p:sldId id="256" r:id="rId2"/>
@@ -13,15 +13,16 @@
     <p:sldId id="260" r:id="rId4"/>
     <p:sldId id="267" r:id="rId5"/>
     <p:sldId id="268" r:id="rId6"/>
-    <p:sldId id="269" r:id="rId7"/>
-    <p:sldId id="261" r:id="rId8"/>
-    <p:sldId id="262" r:id="rId9"/>
-    <p:sldId id="258" r:id="rId10"/>
-    <p:sldId id="259" r:id="rId11"/>
-    <p:sldId id="263" r:id="rId12"/>
-    <p:sldId id="264" r:id="rId13"/>
-    <p:sldId id="265" r:id="rId14"/>
-    <p:sldId id="266" r:id="rId15"/>
+    <p:sldId id="270" r:id="rId7"/>
+    <p:sldId id="269" r:id="rId8"/>
+    <p:sldId id="261" r:id="rId9"/>
+    <p:sldId id="262" r:id="rId10"/>
+    <p:sldId id="258" r:id="rId11"/>
+    <p:sldId id="259" r:id="rId12"/>
+    <p:sldId id="263" r:id="rId13"/>
+    <p:sldId id="264" r:id="rId14"/>
+    <p:sldId id="265" r:id="rId15"/>
+    <p:sldId id="266" r:id="rId16"/>
   </p:sldIdLst>
   <p:sldSz cx="12192000" cy="6858000"/>
   <p:notesSz cx="6858000" cy="9144000"/>
@@ -1415,11 +1416,7 @@
             </a:r>
             <a:r>
               <a:rPr lang="zh-CN" altLang="en-US" smtClean="0"/>
-              <a:t>写</a:t>
-            </a:r>
-            <a:r>
-              <a:rPr lang="zh-CN" altLang="en-US" smtClean="0"/>
-              <a:t>到临时</a:t>
+              <a:t>写到临时</a:t>
             </a:r>
             <a:r>
               <a:rPr lang="zh-CN" altLang="en-US" dirty="0" smtClean="0"/>
@@ -1756,7 +1753,7 @@
           <a:p>
             <a:fld id="{5C305161-C71D-48A0-B9C5-7ED5000F7E11}" type="slidenum">
               <a:rPr lang="zh-CN" altLang="en-US" smtClean="0"/>
-              <a:t>6</a:t>
+              <a:t>7</a:t>
             </a:fld>
             <a:endParaRPr lang="zh-CN" altLang="en-US"/>
           </a:p>
@@ -1868,7 +1865,7 @@
           <a:p>
             <a:fld id="{5C305161-C71D-48A0-B9C5-7ED5000F7E11}" type="slidenum">
               <a:rPr lang="zh-CN" altLang="en-US" smtClean="0"/>
-              <a:t>11</a:t>
+              <a:t>12</a:t>
             </a:fld>
             <a:endParaRPr lang="zh-CN" altLang="en-US"/>
           </a:p>
@@ -1952,7 +1949,7 @@
           <a:p>
             <a:fld id="{5C305161-C71D-48A0-B9C5-7ED5000F7E11}" type="slidenum">
               <a:rPr lang="zh-CN" altLang="en-US" smtClean="0"/>
-              <a:t>12</a:t>
+              <a:t>13</a:t>
             </a:fld>
             <a:endParaRPr lang="zh-CN" altLang="en-US"/>
           </a:p>
@@ -2036,7 +2033,7 @@
           <a:p>
             <a:fld id="{5C305161-C71D-48A0-B9C5-7ED5000F7E11}" type="slidenum">
               <a:rPr lang="zh-CN" altLang="en-US" smtClean="0"/>
-              <a:t>14</a:t>
+              <a:t>15</a:t>
             </a:fld>
             <a:endParaRPr lang="zh-CN" altLang="en-US"/>
           </a:p>
@@ -5046,27 +5043,32 @@
         </p:nvSpPr>
         <p:spPr>
           <a:xfrm>
-            <a:off x="613611" y="670593"/>
-            <a:ext cx="10515600" cy="4351338"/>
+            <a:off x="838200" y="401053"/>
+            <a:ext cx="10515600" cy="5775910"/>
           </a:xfrm>
         </p:spPr>
         <p:txBody>
           <a:bodyPr>
-            <a:normAutofit fontScale="92500" lnSpcReduction="10000"/>
+            <a:normAutofit/>
           </a:bodyPr>
           <a:lstStyle/>
           <a:p>
             <a:r>
-              <a:rPr lang="en-US" altLang="zh-CN" dirty="0" smtClean="0"/>
-              <a:t>stat</a:t>
-            </a:r>
-            <a:r>
               <a:rPr lang="zh-CN" altLang="en-US" dirty="0" smtClean="0"/>
-              <a:t>实例中的函数</a:t>
-            </a:r>
-          </a:p>
-          <a:p>
-            <a:endParaRPr lang="zh-CN" altLang="en-US" dirty="0" smtClean="0"/>
+              <a:t>有时可能需要了解文件的一些特征，例如大小、创建时间或者权限，可以使用</a:t>
+            </a:r>
+            <a:r>
+              <a:rPr lang="en-US" altLang="zh-CN" dirty="0" err="1" smtClean="0"/>
+              <a:t>fs.stat</a:t>
+            </a:r>
+            <a:r>
+              <a:rPr lang="en-US" altLang="zh-CN" dirty="0" smtClean="0"/>
+              <a:t>()</a:t>
+            </a:r>
+            <a:r>
+              <a:rPr lang="zh-CN" altLang="en-US" dirty="0" smtClean="0"/>
+              <a:t>函数来查询文件或目录的元信息</a:t>
+            </a:r>
           </a:p>
           <a:p>
             <a:r>
@@ -5075,175 +5077,53 @@
             </a:r>
             <a:r>
               <a:rPr lang="en-US" altLang="zh-CN" dirty="0" smtClean="0"/>
-              <a:t>1.stats.isFile() -- </a:t>
-            </a:r>
-            <a:r>
-              <a:rPr lang="zh-CN" altLang="en-US" dirty="0" smtClean="0"/>
-              <a:t>如果是标准文件而不是目录、套接字、符号链接                  </a:t>
-            </a:r>
-            <a:r>
-              <a:rPr lang="en-US" altLang="zh-CN" dirty="0" smtClean="0"/>
-              <a:t>			     </a:t>
-            </a:r>
-            <a:r>
-              <a:rPr lang="zh-CN" altLang="en-US" dirty="0" smtClean="0"/>
-              <a:t>或都设备的话，返回</a:t>
-            </a:r>
-            <a:r>
-              <a:rPr lang="en-US" altLang="zh-CN" dirty="0" smtClean="0"/>
-              <a:t>true</a:t>
-            </a:r>
-            <a:r>
-              <a:rPr lang="zh-CN" altLang="en-US" dirty="0" smtClean="0"/>
-              <a:t>。</a:t>
-            </a:r>
-          </a:p>
-          <a:p>
-            <a:r>
-              <a:rPr lang="zh-CN" altLang="en-US" dirty="0" smtClean="0"/>
+              <a:t>let fs = require('fs');</a:t>
+            </a:r>
+          </a:p>
+          <a:p>
+            <a:endParaRPr lang="en-US" altLang="zh-CN" dirty="0" smtClean="0"/>
+          </a:p>
+          <a:p>
+            <a:r>
+              <a:rPr lang="en-US" altLang="zh-CN" dirty="0" smtClean="0"/>
               <a:t>	</a:t>
             </a:r>
             <a:r>
-              <a:rPr lang="en-US" altLang="zh-CN" dirty="0" smtClean="0"/>
-              <a:t>2.stats.isDirectory() -- </a:t>
-            </a:r>
-            <a:r>
-              <a:rPr lang="zh-CN" altLang="en-US" dirty="0" smtClean="0"/>
-              <a:t>如果目录，返回</a:t>
-            </a:r>
-            <a:r>
-              <a:rPr lang="en-US" altLang="zh-CN" dirty="0" smtClean="0"/>
-              <a:t>true</a:t>
-            </a:r>
-            <a:r>
-              <a:rPr lang="zh-CN" altLang="en-US" dirty="0" smtClean="0"/>
-              <a:t>。</a:t>
-            </a:r>
-          </a:p>
-          <a:p>
-            <a:r>
-              <a:rPr lang="zh-CN" altLang="en-US" dirty="0" smtClean="0"/>
-              <a:t>	</a:t>
-            </a:r>
-            <a:r>
-              <a:rPr lang="en-US" altLang="zh-CN" dirty="0" smtClean="0"/>
-              <a:t>3.stats.isBlockDevice() -- </a:t>
-            </a:r>
-            <a:r>
-              <a:rPr lang="zh-CN" altLang="en-US" dirty="0" smtClean="0"/>
-              <a:t>如果是块设备，返回</a:t>
-            </a:r>
-            <a:r>
-              <a:rPr lang="en-US" altLang="zh-CN" dirty="0" smtClean="0"/>
-              <a:t>true</a:t>
-            </a:r>
-            <a:r>
-              <a:rPr lang="zh-CN" altLang="en-US" dirty="0" smtClean="0"/>
-              <a:t>。</a:t>
-            </a:r>
-          </a:p>
-          <a:p>
-            <a:r>
-              <a:rPr lang="zh-CN" altLang="en-US" dirty="0" smtClean="0"/>
-              <a:t>	</a:t>
-            </a:r>
-            <a:r>
-              <a:rPr lang="en-US" altLang="zh-CN" dirty="0" smtClean="0"/>
-              <a:t>4.stats.isCharacterDevice() -- </a:t>
-            </a:r>
-            <a:r>
-              <a:rPr lang="zh-CN" altLang="en-US" dirty="0" smtClean="0"/>
-              <a:t>如果是字符设置，返回</a:t>
-            </a:r>
-            <a:r>
-              <a:rPr lang="en-US" altLang="zh-CN" dirty="0" smtClean="0"/>
-              <a:t>true</a:t>
-            </a:r>
-            <a:r>
-              <a:rPr lang="zh-CN" altLang="en-US" dirty="0" smtClean="0"/>
-              <a:t>。</a:t>
-            </a:r>
-          </a:p>
-          <a:p>
-            <a:r>
-              <a:rPr lang="zh-CN" altLang="en-US" dirty="0" smtClean="0"/>
-              <a:t>	</a:t>
-            </a:r>
-            <a:r>
-              <a:rPr lang="en-US" altLang="zh-CN" dirty="0" smtClean="0"/>
-              <a:t>5.stats.isSymbolicLink() -- </a:t>
-            </a:r>
-            <a:r>
-              <a:rPr lang="zh-CN" altLang="en-US" dirty="0" smtClean="0"/>
-              <a:t>如果是符号链接，返回</a:t>
-            </a:r>
-            <a:r>
-              <a:rPr lang="en-US" altLang="zh-CN" dirty="0" smtClean="0"/>
-              <a:t>true</a:t>
-            </a:r>
-            <a:r>
-              <a:rPr lang="zh-CN" altLang="en-US" dirty="0" smtClean="0"/>
-              <a:t>。</a:t>
-            </a:r>
-          </a:p>
-          <a:p>
-            <a:r>
-              <a:rPr lang="zh-CN" altLang="en-US" dirty="0" smtClean="0"/>
-              <a:t>	</a:t>
-            </a:r>
-            <a:r>
-              <a:rPr lang="en-US" altLang="zh-CN" dirty="0" smtClean="0"/>
-              <a:t>6.stats.isFifo() -- </a:t>
-            </a:r>
-            <a:r>
-              <a:rPr lang="zh-CN" altLang="en-US" dirty="0" smtClean="0"/>
-              <a:t>如果是</a:t>
-            </a:r>
-            <a:r>
-              <a:rPr lang="en-US" altLang="zh-CN" dirty="0" smtClean="0"/>
-              <a:t>FIFO</a:t>
-            </a:r>
-            <a:r>
-              <a:rPr lang="zh-CN" altLang="en-US" dirty="0" smtClean="0"/>
-              <a:t>，返回</a:t>
-            </a:r>
-            <a:r>
-              <a:rPr lang="en-US" altLang="zh-CN" dirty="0" smtClean="0"/>
-              <a:t>true</a:t>
-            </a:r>
-            <a:r>
-              <a:rPr lang="zh-CN" altLang="en-US" dirty="0" smtClean="0"/>
-              <a:t>。</a:t>
-            </a:r>
-          </a:p>
-          <a:p>
-            <a:r>
-              <a:rPr lang="zh-CN" altLang="en-US" dirty="0" smtClean="0"/>
-              <a:t>	</a:t>
-            </a:r>
-            <a:r>
-              <a:rPr lang="en-US" altLang="zh-CN" dirty="0" smtClean="0"/>
-              <a:t>7.stats.isSocket() -- </a:t>
-            </a:r>
-            <a:r>
-              <a:rPr lang="zh-CN" altLang="en-US" dirty="0" smtClean="0"/>
-              <a:t>如果</a:t>
-            </a:r>
-            <a:r>
-              <a:rPr lang="en-US" altLang="zh-CN" dirty="0" smtClean="0"/>
-              <a:t>UNIX</a:t>
-            </a:r>
-            <a:r>
-              <a:rPr lang="zh-CN" altLang="en-US" dirty="0" smtClean="0"/>
-              <a:t>套接字，返回</a:t>
-            </a:r>
-            <a:r>
-              <a:rPr lang="en-US" altLang="zh-CN" dirty="0" smtClean="0"/>
-              <a:t>true</a:t>
-            </a:r>
-            <a:r>
-              <a:rPr lang="zh-CN" altLang="en-US" dirty="0" smtClean="0"/>
-              <a:t>。</a:t>
+              <a:rPr lang="en-US" altLang="zh-CN" dirty="0" err="1" smtClean="0"/>
+              <a:t>fs.stat</a:t>
+            </a:r>
+            <a:r>
+              <a:rPr lang="en-US" altLang="zh-CN" dirty="0" smtClean="0"/>
+              <a:t>('/</a:t>
+            </a:r>
+            <a:r>
+              <a:rPr lang="en-US" altLang="zh-CN" dirty="0" err="1" smtClean="0"/>
+              <a:t>etc</a:t>
+            </a:r>
+            <a:r>
+              <a:rPr lang="en-US" altLang="zh-CN" dirty="0" smtClean="0"/>
+              <a:t>/password', (err, stats)=&gt;{</a:t>
+            </a:r>
+          </a:p>
+          <a:p>
+            <a:r>
+              <a:rPr lang="en-US" altLang="zh-CN" dirty="0" smtClean="0"/>
+              <a:t>		if(err) throw err;</a:t>
+            </a:r>
+          </a:p>
+          <a:p>
+            <a:endParaRPr lang="en-US" altLang="zh-CN" dirty="0" smtClean="0"/>
+          </a:p>
+          <a:p>
+            <a:r>
+              <a:rPr lang="en-US" altLang="zh-CN" dirty="0" smtClean="0"/>
+              <a:t>		console.log(stats);</a:t>
+            </a:r>
+          </a:p>
+          <a:p>
+            <a:r>
+              <a:rPr lang="en-US" altLang="zh-CN" dirty="0" smtClean="0"/>
+              <a:t>	}	</a:t>
             </a:r>
             <a:endParaRPr lang="zh-CN" altLang="en-US" dirty="0"/>
           </a:p>
@@ -5252,7 +5132,7 @@
     </p:spTree>
     <p:extLst>
       <p:ext uri="{BB962C8B-B14F-4D97-AF65-F5344CB8AC3E}">
-        <p14:creationId xmlns:p14="http://schemas.microsoft.com/office/powerpoint/2010/main" val="2499342568"/>
+        <p14:creationId xmlns:p14="http://schemas.microsoft.com/office/powerpoint/2010/main" val="1014732252"/>
       </p:ext>
     </p:extLst>
   </p:cSld>
@@ -5298,226 +5178,226 @@
         </p:nvSpPr>
         <p:spPr>
           <a:xfrm>
-            <a:off x="838200" y="1020527"/>
-            <a:ext cx="10515600" cy="5251936"/>
+            <a:off x="613611" y="670593"/>
+            <a:ext cx="10515600" cy="4351338"/>
           </a:xfrm>
         </p:spPr>
         <p:txBody>
           <a:bodyPr>
-            <a:normAutofit fontScale="77500" lnSpcReduction="20000"/>
+            <a:normAutofit fontScale="92500" lnSpcReduction="10000"/>
           </a:bodyPr>
           <a:lstStyle/>
           <a:p>
-            <a:pPr>
-              <a:lnSpc>
-                <a:spcPct val="120000"/>
-              </a:lnSpc>
-            </a:pPr>
-            <a:r>
-              <a:rPr lang="en-US" altLang="zh-CN" dirty="0" err="1"/>
-              <a:t>fs.open</a:t>
-            </a:r>
-            <a:r>
-              <a:rPr lang="en-US" altLang="zh-CN" dirty="0"/>
-              <a:t>() </a:t>
+            <a:r>
+              <a:rPr lang="en-US" altLang="zh-CN" dirty="0" smtClean="0"/>
+              <a:t>stat</a:t>
             </a:r>
             <a:r>
               <a:rPr lang="zh-CN" altLang="en-US" dirty="0" smtClean="0"/>
-              <a:t>方法用于</a:t>
-            </a:r>
-            <a:r>
-              <a:rPr lang="zh-CN" altLang="en-US" dirty="0"/>
-              <a:t>分配</a:t>
-            </a:r>
+              <a:t>实例中的函数</a:t>
+            </a:r>
+          </a:p>
+          <a:p>
+            <a:endParaRPr lang="zh-CN" altLang="en-US" dirty="0" smtClean="0"/>
+          </a:p>
+          <a:p>
             <a:r>
               <a:rPr lang="zh-CN" altLang="en-US" dirty="0" smtClean="0"/>
-              <a:t>的文件描述符。</a:t>
-            </a:r>
-            <a:r>
-              <a:rPr lang="zh-CN" altLang="en-US" dirty="0"/>
-              <a:t> 一旦被分配，则文件描述符可用</a:t>
+              <a:t>	</a:t>
+            </a:r>
+            <a:r>
+              <a:rPr lang="en-US" altLang="zh-CN" dirty="0" smtClean="0"/>
+              <a:t>1.stats.isFile() -- </a:t>
             </a:r>
             <a:r>
               <a:rPr lang="zh-CN" altLang="en-US" dirty="0" smtClean="0"/>
-              <a:t>于从文件</a:t>
-            </a:r>
-            <a:r>
-              <a:rPr lang="zh-CN" altLang="en-US" dirty="0"/>
-              <a:t>读取数据、向文件写入数据、或请求关于文件的信息</a:t>
+              <a:t>如果是标准文件而不是目录、套接字、符号链接                  </a:t>
+            </a:r>
+            <a:r>
+              <a:rPr lang="en-US" altLang="zh-CN" dirty="0" smtClean="0"/>
+              <a:t>			     </a:t>
+            </a:r>
+            <a:r>
+              <a:rPr lang="zh-CN" altLang="en-US" dirty="0" smtClean="0"/>
+              <a:t>或都设备的话，返回</a:t>
+            </a:r>
+            <a:r>
+              <a:rPr lang="en-US" altLang="zh-CN" dirty="0" smtClean="0"/>
+              <a:t>true</a:t>
             </a:r>
             <a:r>
               <a:rPr lang="zh-CN" altLang="en-US" dirty="0" smtClean="0"/>
               <a:t>。</a:t>
             </a:r>
-            <a:endParaRPr lang="en-US" altLang="zh-CN" dirty="0" smtClean="0"/>
-          </a:p>
-          <a:p>
-            <a:r>
-              <a:rPr lang="en-US" altLang="zh-CN" dirty="0" err="1"/>
-              <a:t>fs.open</a:t>
-            </a:r>
-            <a:r>
-              <a:rPr lang="en-US" altLang="zh-CN" dirty="0"/>
-              <a:t>('/open/some/file.txt', 'r', (err, </a:t>
-            </a:r>
-            <a:r>
-              <a:rPr lang="en-US" altLang="zh-CN" dirty="0" err="1"/>
-              <a:t>fd</a:t>
-            </a:r>
-            <a:r>
-              <a:rPr lang="en-US" altLang="zh-CN" dirty="0"/>
-              <a:t>) =&gt; {</a:t>
-            </a:r>
-          </a:p>
-          <a:p>
-            <a:r>
-              <a:rPr lang="en-US" altLang="zh-CN" dirty="0"/>
-              <a:t>  if (err) throw err;</a:t>
-            </a:r>
-          </a:p>
-          <a:p>
-            <a:r>
-              <a:rPr lang="en-US" altLang="zh-CN" dirty="0"/>
-              <a:t>  </a:t>
-            </a:r>
-            <a:r>
-              <a:rPr lang="en-US" altLang="zh-CN" dirty="0" err="1"/>
-              <a:t>fs.fstat</a:t>
-            </a:r>
-            <a:r>
-              <a:rPr lang="en-US" altLang="zh-CN" dirty="0"/>
-              <a:t>(</a:t>
-            </a:r>
-            <a:r>
-              <a:rPr lang="en-US" altLang="zh-CN" dirty="0" err="1"/>
-              <a:t>fd</a:t>
-            </a:r>
-            <a:r>
-              <a:rPr lang="en-US" altLang="zh-CN" dirty="0"/>
-              <a:t>, (err, stat) =&gt; {</a:t>
-            </a:r>
-          </a:p>
-          <a:p>
-            <a:r>
-              <a:rPr lang="en-US" altLang="zh-CN" dirty="0"/>
-              <a:t>    if (err) throw err;</a:t>
-            </a:r>
-          </a:p>
-          <a:p>
-            <a:r>
-              <a:rPr lang="en-US" altLang="zh-CN" dirty="0"/>
-              <a:t>    // </a:t>
-            </a:r>
-            <a:r>
-              <a:rPr lang="zh-CN" altLang="en-US" dirty="0"/>
-              <a:t>使用文件属性。</a:t>
-            </a:r>
-          </a:p>
-          <a:p>
+          </a:p>
+          <a:p>
+            <a:r>
+              <a:rPr lang="zh-CN" altLang="en-US" dirty="0" smtClean="0"/>
+              <a:t>	</a:t>
+            </a:r>
+            <a:r>
+              <a:rPr lang="en-US" altLang="zh-CN" dirty="0" smtClean="0"/>
+              <a:t>2.stats.isDirectory() -- </a:t>
+            </a:r>
+            <a:r>
+              <a:rPr lang="zh-CN" altLang="en-US" dirty="0" smtClean="0"/>
+              <a:t>如果目录，返回</a:t>
+            </a:r>
+            <a:r>
+              <a:rPr lang="en-US" altLang="zh-CN" dirty="0" smtClean="0"/>
+              <a:t>true</a:t>
+            </a:r>
+            <a:r>
+              <a:rPr lang="zh-CN" altLang="en-US" dirty="0" smtClean="0"/>
+              <a:t>。</a:t>
+            </a:r>
+          </a:p>
+          <a:p>
+            <a:r>
+              <a:rPr lang="zh-CN" altLang="en-US" dirty="0" smtClean="0"/>
+              <a:t>	</a:t>
+            </a:r>
+            <a:r>
+              <a:rPr lang="en-US" altLang="zh-CN" dirty="0" smtClean="0"/>
+              <a:t>3.stats.isBlockDevice() -- </a:t>
+            </a:r>
+            <a:r>
+              <a:rPr lang="zh-CN" altLang="en-US" dirty="0" smtClean="0"/>
+              <a:t>如果是块设备，返回</a:t>
+            </a:r>
+            <a:r>
+              <a:rPr lang="en-US" altLang="zh-CN" dirty="0" smtClean="0"/>
+              <a:t>true</a:t>
+            </a:r>
+            <a:r>
+              <a:rPr lang="zh-CN" altLang="en-US" dirty="0" smtClean="0"/>
+              <a:t>。</a:t>
+            </a:r>
+          </a:p>
+          <a:p>
+            <a:r>
+              <a:rPr lang="zh-CN" altLang="en-US" dirty="0" smtClean="0"/>
+              <a:t>	</a:t>
+            </a:r>
+            <a:r>
+              <a:rPr lang="en-US" altLang="zh-CN" dirty="0" smtClean="0"/>
+              <a:t>4.stats.isCharacterDevice() -- </a:t>
+            </a:r>
+            <a:r>
+              <a:rPr lang="zh-CN" altLang="en-US" dirty="0" smtClean="0"/>
+              <a:t>如果是字符设置，返回</a:t>
+            </a:r>
+            <a:r>
+              <a:rPr lang="en-US" altLang="zh-CN" dirty="0" smtClean="0"/>
+              <a:t>true</a:t>
+            </a:r>
+            <a:r>
+              <a:rPr lang="zh-CN" altLang="en-US" dirty="0" smtClean="0"/>
+              <a:t>。</a:t>
+            </a:r>
+          </a:p>
+          <a:p>
+            <a:r>
+              <a:rPr lang="zh-CN" altLang="en-US" dirty="0" smtClean="0"/>
+              <a:t>	</a:t>
+            </a:r>
+            <a:r>
+              <a:rPr lang="en-US" altLang="zh-CN" dirty="0" smtClean="0"/>
+              <a:t>5.stats.isSymbolicLink() -- </a:t>
+            </a:r>
+            <a:r>
+              <a:rPr lang="zh-CN" altLang="en-US" dirty="0" smtClean="0"/>
+              <a:t>如果是符号链接，返回</a:t>
+            </a:r>
+            <a:r>
+              <a:rPr lang="en-US" altLang="zh-CN" dirty="0" smtClean="0"/>
+              <a:t>true</a:t>
+            </a:r>
+            <a:r>
+              <a:rPr lang="zh-CN" altLang="en-US" dirty="0" smtClean="0"/>
+              <a:t>。</a:t>
+            </a:r>
+          </a:p>
+          <a:p>
+            <a:r>
+              <a:rPr lang="zh-CN" altLang="en-US" dirty="0" smtClean="0"/>
+              <a:t>	</a:t>
+            </a:r>
+            <a:r>
+              <a:rPr lang="en-US" altLang="zh-CN" dirty="0" smtClean="0"/>
+              <a:t>6.stats.isFifo() -- </a:t>
+            </a:r>
+            <a:r>
+              <a:rPr lang="zh-CN" altLang="en-US" dirty="0" smtClean="0"/>
+              <a:t>如果是</a:t>
+            </a:r>
+            <a:r>
+              <a:rPr lang="en-US" altLang="zh-CN" dirty="0" smtClean="0"/>
+              <a:t>FIFO</a:t>
+            </a:r>
+            <a:r>
+              <a:rPr lang="zh-CN" altLang="en-US" dirty="0" smtClean="0"/>
+              <a:t>，返回</a:t>
+            </a:r>
+            <a:r>
+              <a:rPr lang="en-US" altLang="zh-CN" dirty="0" smtClean="0"/>
+              <a:t>true</a:t>
+            </a:r>
+            <a:r>
+              <a:rPr lang="zh-CN" altLang="en-US" dirty="0" smtClean="0"/>
+              <a:t>。</a:t>
+            </a:r>
+          </a:p>
+          <a:p>
+            <a:r>
+              <a:rPr lang="zh-CN" altLang="en-US" dirty="0" smtClean="0"/>
+              <a:t>	</a:t>
+            </a:r>
+            <a:r>
+              <a:rPr lang="en-US" altLang="zh-CN" dirty="0" smtClean="0"/>
+              <a:t>7.stats.isSocket() -- </a:t>
+            </a:r>
+            <a:r>
+              <a:rPr lang="zh-CN" altLang="en-US" dirty="0" smtClean="0"/>
+              <a:t>如果</a:t>
+            </a:r>
+            <a:r>
+              <a:rPr lang="en-US" altLang="zh-CN" dirty="0" smtClean="0"/>
+              <a:t>UNIX</a:t>
+            </a:r>
+            <a:r>
+              <a:rPr lang="zh-CN" altLang="en-US" dirty="0" smtClean="0"/>
+              <a:t>套接字，返回</a:t>
+            </a:r>
+            <a:r>
+              <a:rPr lang="en-US" altLang="zh-CN" dirty="0" smtClean="0"/>
+              <a:t>true</a:t>
+            </a:r>
+            <a:r>
+              <a:rPr lang="zh-CN" altLang="en-US" dirty="0" smtClean="0"/>
+              <a:t>。</a:t>
+            </a:r>
             <a:endParaRPr lang="zh-CN" altLang="en-US" dirty="0"/>
-          </a:p>
-          <a:p>
-            <a:r>
-              <a:rPr lang="zh-CN" altLang="en-US" dirty="0"/>
-              <a:t>    </a:t>
-            </a:r>
-            <a:r>
-              <a:rPr lang="en-US" altLang="zh-CN" dirty="0"/>
-              <a:t>// </a:t>
-            </a:r>
-            <a:r>
-              <a:rPr lang="zh-CN" altLang="en-US" dirty="0"/>
-              <a:t>始终关闭文件描述符！</a:t>
-            </a:r>
-          </a:p>
-          <a:p>
-            <a:r>
-              <a:rPr lang="zh-CN" altLang="en-US" dirty="0"/>
-              <a:t>    </a:t>
-            </a:r>
-            <a:r>
-              <a:rPr lang="en-US" altLang="zh-CN" dirty="0" err="1"/>
-              <a:t>fs.close</a:t>
-            </a:r>
-            <a:r>
-              <a:rPr lang="en-US" altLang="zh-CN" dirty="0"/>
-              <a:t>(</a:t>
-            </a:r>
-            <a:r>
-              <a:rPr lang="en-US" altLang="zh-CN" dirty="0" err="1"/>
-              <a:t>fd</a:t>
-            </a:r>
-            <a:r>
-              <a:rPr lang="en-US" altLang="zh-CN" dirty="0"/>
-              <a:t>, (err) =&gt; {</a:t>
-            </a:r>
-          </a:p>
-          <a:p>
-            <a:r>
-              <a:rPr lang="en-US" altLang="zh-CN" dirty="0"/>
-              <a:t>      if (err) throw err;</a:t>
-            </a:r>
-          </a:p>
-          <a:p>
-            <a:r>
-              <a:rPr lang="en-US" altLang="zh-CN" dirty="0"/>
-              <a:t>    });</a:t>
-            </a:r>
-          </a:p>
-          <a:p>
-            <a:r>
-              <a:rPr lang="en-US" altLang="zh-CN" dirty="0"/>
-              <a:t>  });</a:t>
-            </a:r>
-          </a:p>
-          <a:p>
-            <a:r>
-              <a:rPr lang="en-US" altLang="zh-CN" dirty="0"/>
-              <a:t>});</a:t>
-            </a:r>
-          </a:p>
-        </p:txBody>
-      </p:sp>
-      <p:sp>
-        <p:nvSpPr>
-          <p:cNvPr id="6" name="文本框 5"/>
-          <p:cNvSpPr txBox="1"/>
-          <p:nvPr/>
-        </p:nvSpPr>
-        <p:spPr>
-          <a:xfrm>
-            <a:off x="401057" y="497306"/>
-            <a:ext cx="1980029" cy="523220"/>
-          </a:xfrm>
-          <a:prstGeom prst="rect">
-            <a:avLst/>
-          </a:prstGeom>
-          <a:noFill/>
-        </p:spPr>
-        <p:txBody>
-          <a:bodyPr wrap="none" rtlCol="0">
-            <a:spAutoFit/>
-          </a:bodyPr>
-          <a:lstStyle/>
-          <a:p>
-            <a:r>
-              <a:rPr lang="zh-CN" altLang="en-US" sz="2800" b="1" dirty="0" smtClean="0"/>
-              <a:t>文件描述符</a:t>
-            </a:r>
-            <a:endParaRPr lang="zh-CN" altLang="en-US" sz="2800" b="1" dirty="0"/>
           </a:p>
         </p:txBody>
       </p:sp>
     </p:spTree>
     <p:extLst>
       <p:ext uri="{BB962C8B-B14F-4D97-AF65-F5344CB8AC3E}">
-        <p14:creationId xmlns:p14="http://schemas.microsoft.com/office/powerpoint/2010/main" val="3609316402"/>
+        <p14:creationId xmlns:p14="http://schemas.microsoft.com/office/powerpoint/2010/main" val="2499342568"/>
       </p:ext>
     </p:extLst>
   </p:cSld>
   <p:clrMapOvr>
     <a:masterClrMapping/>
   </p:clrMapOvr>
+  <p:timing>
+    <p:tnLst>
+      <p:par>
+        <p:cTn id="1" dur="indefinite" restart="never" nodeType="tmRoot"/>
+      </p:par>
+    </p:tnLst>
+  </p:timing>
 </p:sld>
 </file>
 
@@ -5550,6 +5430,258 @@
         </p:nvSpPr>
         <p:spPr>
           <a:xfrm>
+            <a:off x="838200" y="1020527"/>
+            <a:ext cx="10515600" cy="5251936"/>
+          </a:xfrm>
+        </p:spPr>
+        <p:txBody>
+          <a:bodyPr>
+            <a:normAutofit fontScale="77500" lnSpcReduction="20000"/>
+          </a:bodyPr>
+          <a:lstStyle/>
+          <a:p>
+            <a:pPr>
+              <a:lnSpc>
+                <a:spcPct val="120000"/>
+              </a:lnSpc>
+            </a:pPr>
+            <a:r>
+              <a:rPr lang="en-US" altLang="zh-CN" dirty="0" err="1"/>
+              <a:t>fs.open</a:t>
+            </a:r>
+            <a:r>
+              <a:rPr lang="en-US" altLang="zh-CN" dirty="0"/>
+              <a:t>() </a:t>
+            </a:r>
+            <a:r>
+              <a:rPr lang="zh-CN" altLang="en-US" dirty="0" smtClean="0"/>
+              <a:t>方法用于</a:t>
+            </a:r>
+            <a:r>
+              <a:rPr lang="zh-CN" altLang="en-US" dirty="0"/>
+              <a:t>分配</a:t>
+            </a:r>
+            <a:r>
+              <a:rPr lang="zh-CN" altLang="en-US" dirty="0" smtClean="0"/>
+              <a:t>的文件描述符。</a:t>
+            </a:r>
+            <a:r>
+              <a:rPr lang="zh-CN" altLang="en-US" dirty="0"/>
+              <a:t> 一旦被分配，则文件描述符可用</a:t>
+            </a:r>
+            <a:r>
+              <a:rPr lang="zh-CN" altLang="en-US" dirty="0" smtClean="0"/>
+              <a:t>于从文件</a:t>
+            </a:r>
+            <a:r>
+              <a:rPr lang="zh-CN" altLang="en-US" dirty="0"/>
+              <a:t>读取数据、向文件写入数据、或请求关于文件的信息</a:t>
+            </a:r>
+            <a:r>
+              <a:rPr lang="zh-CN" altLang="en-US" dirty="0" smtClean="0"/>
+              <a:t>。</a:t>
+            </a:r>
+            <a:endParaRPr lang="en-US" altLang="zh-CN" dirty="0" smtClean="0"/>
+          </a:p>
+          <a:p>
+            <a:r>
+              <a:rPr lang="en-US" altLang="zh-CN" dirty="0" err="1"/>
+              <a:t>fs.open</a:t>
+            </a:r>
+            <a:r>
+              <a:rPr lang="en-US" altLang="zh-CN" dirty="0"/>
+              <a:t>('/open/some/file.txt', 'r', (err, </a:t>
+            </a:r>
+            <a:r>
+              <a:rPr lang="en-US" altLang="zh-CN" dirty="0" err="1"/>
+              <a:t>fd</a:t>
+            </a:r>
+            <a:r>
+              <a:rPr lang="en-US" altLang="zh-CN" dirty="0"/>
+              <a:t>) =&gt; {</a:t>
+            </a:r>
+          </a:p>
+          <a:p>
+            <a:r>
+              <a:rPr lang="en-US" altLang="zh-CN" dirty="0"/>
+              <a:t>  if (err) throw err;</a:t>
+            </a:r>
+          </a:p>
+          <a:p>
+            <a:r>
+              <a:rPr lang="en-US" altLang="zh-CN" dirty="0"/>
+              <a:t>  </a:t>
+            </a:r>
+            <a:r>
+              <a:rPr lang="en-US" altLang="zh-CN" dirty="0" err="1"/>
+              <a:t>fs.fstat</a:t>
+            </a:r>
+            <a:r>
+              <a:rPr lang="en-US" altLang="zh-CN" dirty="0"/>
+              <a:t>(</a:t>
+            </a:r>
+            <a:r>
+              <a:rPr lang="en-US" altLang="zh-CN" dirty="0" err="1"/>
+              <a:t>fd</a:t>
+            </a:r>
+            <a:r>
+              <a:rPr lang="en-US" altLang="zh-CN" dirty="0"/>
+              <a:t>, (err, stat) =&gt; {</a:t>
+            </a:r>
+          </a:p>
+          <a:p>
+            <a:r>
+              <a:rPr lang="en-US" altLang="zh-CN" dirty="0"/>
+              <a:t>    if (err) throw err;</a:t>
+            </a:r>
+          </a:p>
+          <a:p>
+            <a:r>
+              <a:rPr lang="en-US" altLang="zh-CN" dirty="0"/>
+              <a:t>    // </a:t>
+            </a:r>
+            <a:r>
+              <a:rPr lang="zh-CN" altLang="en-US" dirty="0"/>
+              <a:t>使用文件属性。</a:t>
+            </a:r>
+          </a:p>
+          <a:p>
+            <a:endParaRPr lang="zh-CN" altLang="en-US" dirty="0"/>
+          </a:p>
+          <a:p>
+            <a:r>
+              <a:rPr lang="zh-CN" altLang="en-US" dirty="0"/>
+              <a:t>    </a:t>
+            </a:r>
+            <a:r>
+              <a:rPr lang="en-US" altLang="zh-CN" dirty="0"/>
+              <a:t>// </a:t>
+            </a:r>
+            <a:r>
+              <a:rPr lang="zh-CN" altLang="en-US" dirty="0"/>
+              <a:t>始终关闭文件描述符！</a:t>
+            </a:r>
+          </a:p>
+          <a:p>
+            <a:r>
+              <a:rPr lang="zh-CN" altLang="en-US" dirty="0"/>
+              <a:t>    </a:t>
+            </a:r>
+            <a:r>
+              <a:rPr lang="en-US" altLang="zh-CN" dirty="0" err="1"/>
+              <a:t>fs.close</a:t>
+            </a:r>
+            <a:r>
+              <a:rPr lang="en-US" altLang="zh-CN" dirty="0"/>
+              <a:t>(</a:t>
+            </a:r>
+            <a:r>
+              <a:rPr lang="en-US" altLang="zh-CN" dirty="0" err="1"/>
+              <a:t>fd</a:t>
+            </a:r>
+            <a:r>
+              <a:rPr lang="en-US" altLang="zh-CN" dirty="0"/>
+              <a:t>, (err) =&gt; {</a:t>
+            </a:r>
+          </a:p>
+          <a:p>
+            <a:r>
+              <a:rPr lang="en-US" altLang="zh-CN" dirty="0"/>
+              <a:t>      if (err) throw err;</a:t>
+            </a:r>
+          </a:p>
+          <a:p>
+            <a:r>
+              <a:rPr lang="en-US" altLang="zh-CN" dirty="0"/>
+              <a:t>    });</a:t>
+            </a:r>
+          </a:p>
+          <a:p>
+            <a:r>
+              <a:rPr lang="en-US" altLang="zh-CN" dirty="0"/>
+              <a:t>  });</a:t>
+            </a:r>
+          </a:p>
+          <a:p>
+            <a:r>
+              <a:rPr lang="en-US" altLang="zh-CN" dirty="0"/>
+              <a:t>});</a:t>
+            </a:r>
+          </a:p>
+        </p:txBody>
+      </p:sp>
+      <p:sp>
+        <p:nvSpPr>
+          <p:cNvPr id="6" name="文本框 5"/>
+          <p:cNvSpPr txBox="1"/>
+          <p:nvPr/>
+        </p:nvSpPr>
+        <p:spPr>
+          <a:xfrm>
+            <a:off x="401057" y="497306"/>
+            <a:ext cx="1980029" cy="523220"/>
+          </a:xfrm>
+          <a:prstGeom prst="rect">
+            <a:avLst/>
+          </a:prstGeom>
+          <a:noFill/>
+        </p:spPr>
+        <p:txBody>
+          <a:bodyPr wrap="none" rtlCol="0">
+            <a:spAutoFit/>
+          </a:bodyPr>
+          <a:lstStyle/>
+          <a:p>
+            <a:r>
+              <a:rPr lang="zh-CN" altLang="en-US" sz="2800" b="1" dirty="0" smtClean="0"/>
+              <a:t>文件描述符</a:t>
+            </a:r>
+            <a:endParaRPr lang="zh-CN" altLang="en-US" sz="2800" b="1" dirty="0"/>
+          </a:p>
+        </p:txBody>
+      </p:sp>
+    </p:spTree>
+    <p:extLst>
+      <p:ext uri="{BB962C8B-B14F-4D97-AF65-F5344CB8AC3E}">
+        <p14:creationId xmlns:p14="http://schemas.microsoft.com/office/powerpoint/2010/main" val="3609316402"/>
+      </p:ext>
+    </p:extLst>
+  </p:cSld>
+  <p:clrMapOvr>
+    <a:masterClrMapping/>
+  </p:clrMapOvr>
+</p:sld>
+</file>
+
+<file path=ppt/slides/slide13.xml><?xml version="1.0" encoding="utf-8"?>
+<p:sld xmlns:a="http://schemas.openxmlformats.org/drawingml/2006/main" xmlns:r="http://schemas.openxmlformats.org/officeDocument/2006/relationships" xmlns:p="http://schemas.openxmlformats.org/presentationml/2006/main">
+  <p:cSld>
+    <p:spTree>
+      <p:nvGrpSpPr>
+        <p:cNvPr id="1" name=""/>
+        <p:cNvGrpSpPr/>
+        <p:nvPr/>
+      </p:nvGrpSpPr>
+      <p:grpSpPr>
+        <a:xfrm>
+          <a:off x="0" y="0"/>
+          <a:ext cx="0" cy="0"/>
+          <a:chOff x="0" y="0"/>
+          <a:chExt cx="0" cy="0"/>
+        </a:xfrm>
+      </p:grpSpPr>
+      <p:sp>
+        <p:nvSpPr>
+          <p:cNvPr id="3" name="内容占位符 2"/>
+          <p:cNvSpPr>
+            <a:spLocks noGrp="1"/>
+          </p:cNvSpPr>
+          <p:nvPr>
+            <p:ph idx="1"/>
+          </p:nvPr>
+        </p:nvSpPr>
+        <p:spPr>
+          <a:xfrm>
             <a:off x="838200" y="1283367"/>
             <a:ext cx="10515600" cy="4893595"/>
           </a:xfrm>
@@ -5710,7 +5842,7 @@
 </p:sld>
 </file>
 
-<file path=ppt/slides/slide13.xml><?xml version="1.0" encoding="utf-8"?>
+<file path=ppt/slides/slide14.xml><?xml version="1.0" encoding="utf-8"?>
 <p:sld xmlns:a="http://schemas.openxmlformats.org/drawingml/2006/main" xmlns:r="http://schemas.openxmlformats.org/officeDocument/2006/relationships" xmlns:p="http://schemas.openxmlformats.org/presentationml/2006/main">
   <p:cSld>
     <p:spTree>
@@ -5899,7 +6031,7 @@
 </p:sld>
 </file>
 
-<file path=ppt/slides/slide14.xml><?xml version="1.0" encoding="utf-8"?>
+<file path=ppt/slides/slide15.xml><?xml version="1.0" encoding="utf-8"?>
 <p:sld xmlns:a="http://schemas.openxmlformats.org/drawingml/2006/main" xmlns:r="http://schemas.openxmlformats.org/officeDocument/2006/relationships" xmlns:p="http://schemas.openxmlformats.org/presentationml/2006/main">
   <p:cSld>
     <p:spTree>
@@ -6755,235 +6887,654 @@
           <a:chExt cx="0" cy="0"/>
         </a:xfrm>
       </p:grpSpPr>
-      <p:sp>
-        <p:nvSpPr>
-          <p:cNvPr id="4" name="文本框 3"/>
-          <p:cNvSpPr txBox="1"/>
-          <p:nvPr/>
-        </p:nvSpPr>
-        <p:spPr>
-          <a:xfrm>
-            <a:off x="469557" y="420130"/>
-            <a:ext cx="11467070" cy="584775"/>
-          </a:xfrm>
-          <a:prstGeom prst="rect">
-            <a:avLst/>
-          </a:prstGeom>
-          <a:noFill/>
-        </p:spPr>
-        <p:txBody>
-          <a:bodyPr wrap="square" rtlCol="0">
-            <a:spAutoFit/>
-          </a:bodyPr>
-          <a:lstStyle/>
-          <a:p>
-            <a:r>
-              <a:rPr lang="zh-CN" altLang="en-US" sz="3200" b="1" dirty="0"/>
-              <a:t>流</a:t>
-            </a:r>
-          </a:p>
-        </p:txBody>
-      </p:sp>
-      <p:sp>
-        <p:nvSpPr>
-          <p:cNvPr id="6" name="文本框 5"/>
-          <p:cNvSpPr txBox="1"/>
-          <p:nvPr/>
-        </p:nvSpPr>
-        <p:spPr>
-          <a:xfrm>
-            <a:off x="771525" y="1114425"/>
-            <a:ext cx="10215563" cy="2246769"/>
-          </a:xfrm>
-          <a:prstGeom prst="rect">
-            <a:avLst/>
-          </a:prstGeom>
-          <a:noFill/>
-        </p:spPr>
-        <p:txBody>
-          <a:bodyPr wrap="square" rtlCol="0">
-            <a:spAutoFit/>
-          </a:bodyPr>
-          <a:lstStyle/>
-          <a:p>
-            <a:r>
-              <a:rPr lang="en-US" altLang="zh-CN" sz="2800" dirty="0" err="1" smtClean="0"/>
-              <a:t>const</a:t>
-            </a:r>
-            <a:r>
-              <a:rPr lang="en-US" altLang="zh-CN" sz="2800" dirty="0" smtClean="0"/>
-              <a:t> fs = require(‘fs’);</a:t>
-            </a:r>
-          </a:p>
-          <a:p>
-            <a:r>
-              <a:rPr lang="en-US" altLang="zh-CN" sz="2800" dirty="0" err="1" smtClean="0"/>
-              <a:t>const</a:t>
-            </a:r>
-            <a:r>
-              <a:rPr lang="en-US" altLang="zh-CN" sz="2800" dirty="0" smtClean="0"/>
-              <a:t> readable = </a:t>
-            </a:r>
-            <a:r>
-              <a:rPr lang="en-US" altLang="zh-CN" sz="2800" dirty="0" err="1" smtClean="0"/>
-              <a:t>fs.createReadStream</a:t>
-            </a:r>
-            <a:r>
-              <a:rPr lang="en-US" altLang="zh-CN" sz="2800" dirty="0" smtClean="0"/>
-              <a:t>(‘./origin.txt’);</a:t>
-            </a:r>
-          </a:p>
-          <a:p>
-            <a:r>
-              <a:rPr lang="en-US" altLang="zh-CN" sz="2800" dirty="0" err="1"/>
-              <a:t>c</a:t>
-            </a:r>
-            <a:r>
-              <a:rPr lang="en-US" altLang="zh-CN" sz="2800" dirty="0" err="1" smtClean="0"/>
-              <a:t>onst</a:t>
-            </a:r>
-            <a:r>
-              <a:rPr lang="en-US" altLang="zh-CN" sz="2800" dirty="0" smtClean="0"/>
-              <a:t> writeable = </a:t>
-            </a:r>
-            <a:r>
-              <a:rPr lang="en-US" altLang="zh-CN" sz="2800" dirty="0" err="1" smtClean="0"/>
-              <a:t>fs.createWriteStream</a:t>
-            </a:r>
-            <a:r>
-              <a:rPr lang="en-US" altLang="zh-CN" sz="2800" dirty="0" smtClean="0"/>
-              <a:t>(‘./copy.txt’);</a:t>
-            </a:r>
-          </a:p>
-          <a:p>
-            <a:endParaRPr lang="en-US" altLang="zh-CN" sz="2800" dirty="0"/>
-          </a:p>
-          <a:p>
-            <a:r>
-              <a:rPr lang="en-US" altLang="zh-CN" sz="2800" dirty="0" err="1" smtClean="0"/>
-              <a:t>readable.pipe</a:t>
-            </a:r>
-            <a:r>
-              <a:rPr lang="en-US" altLang="zh-CN" sz="2800" dirty="0" smtClean="0"/>
-              <a:t>(writeable);</a:t>
-            </a:r>
-            <a:endParaRPr lang="zh-CN" altLang="en-US" sz="2800" dirty="0"/>
-          </a:p>
-        </p:txBody>
-      </p:sp>
-      <p:sp>
-        <p:nvSpPr>
-          <p:cNvPr id="7" name="文本框 6"/>
-          <p:cNvSpPr txBox="1"/>
-          <p:nvPr/>
-        </p:nvSpPr>
-        <p:spPr>
-          <a:xfrm>
-            <a:off x="369544" y="3470714"/>
-            <a:ext cx="11467070" cy="584775"/>
-          </a:xfrm>
-          <a:prstGeom prst="rect">
-            <a:avLst/>
-          </a:prstGeom>
-          <a:noFill/>
-        </p:spPr>
-        <p:txBody>
-          <a:bodyPr wrap="square" rtlCol="0">
-            <a:spAutoFit/>
-          </a:bodyPr>
-          <a:lstStyle/>
-          <a:p>
-            <a:r>
-              <a:rPr lang="zh-CN" altLang="en-US" sz="3200" b="1" dirty="0" smtClean="0"/>
-              <a:t>指操作文件</a:t>
-            </a:r>
-            <a:endParaRPr lang="zh-CN" altLang="en-US" sz="3200" b="1" dirty="0"/>
-          </a:p>
-        </p:txBody>
-      </p:sp>
-      <p:sp>
-        <p:nvSpPr>
-          <p:cNvPr id="8" name="文本框 7"/>
-          <p:cNvSpPr txBox="1"/>
-          <p:nvPr/>
-        </p:nvSpPr>
-        <p:spPr>
-          <a:xfrm>
-            <a:off x="771524" y="4059120"/>
-            <a:ext cx="10215563" cy="2246769"/>
-          </a:xfrm>
-          <a:prstGeom prst="rect">
-            <a:avLst/>
-          </a:prstGeom>
-          <a:noFill/>
-        </p:spPr>
-        <p:txBody>
-          <a:bodyPr wrap="square" rtlCol="0">
-            <a:spAutoFit/>
-          </a:bodyPr>
-          <a:lstStyle/>
-          <a:p>
-            <a:r>
-              <a:rPr lang="en-US" altLang="zh-CN" sz="2800" dirty="0" err="1" smtClean="0"/>
-              <a:t>const</a:t>
-            </a:r>
-            <a:r>
-              <a:rPr lang="en-US" altLang="zh-CN" sz="2800" dirty="0" smtClean="0"/>
-              <a:t> fs = require(‘fs’);</a:t>
-            </a:r>
-          </a:p>
-          <a:p>
-            <a:endParaRPr lang="en-US" altLang="zh-CN" sz="2800" dirty="0"/>
-          </a:p>
-          <a:p>
-            <a:r>
-              <a:rPr lang="en-US" altLang="zh-CN" sz="2800" dirty="0" err="1" smtClean="0"/>
-              <a:t>fs.readFile</a:t>
-            </a:r>
-            <a:r>
-              <a:rPr lang="en-US" altLang="zh-CN" sz="2800" dirty="0" smtClean="0"/>
-              <a:t>(‘path/….’, (err, </a:t>
-            </a:r>
-            <a:r>
-              <a:rPr lang="en-US" altLang="zh-CN" sz="2800" dirty="0" err="1" smtClean="0"/>
-              <a:t>buf</a:t>
-            </a:r>
-            <a:r>
-              <a:rPr lang="en-US" altLang="zh-CN" sz="2800" dirty="0" smtClean="0"/>
-              <a:t>) =&gt; {</a:t>
-            </a:r>
-          </a:p>
-          <a:p>
-            <a:r>
-              <a:rPr lang="en-US" altLang="zh-CN" sz="2800" dirty="0"/>
-              <a:t>	</a:t>
-            </a:r>
-            <a:r>
-              <a:rPr lang="en-US" altLang="zh-CN" sz="2800" dirty="0" smtClean="0"/>
-              <a:t>console.log(</a:t>
-            </a:r>
-            <a:r>
-              <a:rPr lang="en-US" altLang="zh-CN" sz="2800" dirty="0" err="1" smtClean="0"/>
-              <a:t>buf</a:t>
-            </a:r>
-            <a:r>
-              <a:rPr lang="en-US" altLang="zh-CN" sz="2800" dirty="0" smtClean="0"/>
-              <a:t>);</a:t>
-            </a:r>
-          </a:p>
-          <a:p>
-            <a:r>
-              <a:rPr lang="en-US" altLang="zh-CN" sz="2800" dirty="0" smtClean="0"/>
-              <a:t>})</a:t>
-            </a:r>
-            <a:endParaRPr lang="zh-CN" altLang="en-US" sz="2800" dirty="0"/>
-          </a:p>
-        </p:txBody>
-      </p:sp>
+      <p:graphicFrame>
+        <p:nvGraphicFramePr>
+          <p:cNvPr id="4" name="内容占位符 3"/>
+          <p:cNvGraphicFramePr>
+            <a:graphicFrameLocks noGrp="1"/>
+          </p:cNvGraphicFramePr>
+          <p:nvPr>
+            <p:ph idx="1"/>
+            <p:extLst>
+              <p:ext uri="{D42A27DB-BD31-4B8C-83A1-F6EECF244321}">
+                <p14:modId xmlns:p14="http://schemas.microsoft.com/office/powerpoint/2010/main" val="2122105888"/>
+              </p:ext>
+            </p:extLst>
+          </p:nvPr>
+        </p:nvGraphicFramePr>
+        <p:xfrm>
+          <a:off x="838200" y="298577"/>
+          <a:ext cx="10515600" cy="5915610"/>
+        </p:xfrm>
+        <a:graphic>
+          <a:graphicData uri="http://schemas.openxmlformats.org/drawingml/2006/table">
+            <a:tbl>
+              <a:tblPr firstRow="1" bandRow="1">
+                <a:tableStyleId>{5C22544A-7EE6-4342-B048-85BDC9FD1C3A}</a:tableStyleId>
+              </a:tblPr>
+              <a:tblGrid>
+                <a:gridCol w="2464837"/>
+                <a:gridCol w="2071396"/>
+                <a:gridCol w="5979367"/>
+              </a:tblGrid>
+              <a:tr h="591561">
+                <a:tc>
+                  <a:txBody>
+                    <a:bodyPr/>
+                    <a:lstStyle/>
+                    <a:p>
+                      <a:pPr algn="ctr">
+                        <a:lnSpc>
+                          <a:spcPct val="150000"/>
+                        </a:lnSpc>
+                      </a:pPr>
+                      <a:r>
+                        <a:rPr lang="en-US" altLang="zh-CN" sz="2000" dirty="0" smtClean="0"/>
+                        <a:t>POSIX</a:t>
+                      </a:r>
+                      <a:r>
+                        <a:rPr lang="zh-CN" altLang="en-US" sz="2000" dirty="0" smtClean="0"/>
+                        <a:t>方法</a:t>
+                      </a:r>
+                      <a:endParaRPr lang="zh-CN" altLang="en-US" sz="2000" dirty="0"/>
+                    </a:p>
+                  </a:txBody>
+                  <a:tcPr/>
+                </a:tc>
+                <a:tc>
+                  <a:txBody>
+                    <a:bodyPr/>
+                    <a:lstStyle/>
+                    <a:p>
+                      <a:pPr algn="ctr">
+                        <a:lnSpc>
+                          <a:spcPct val="150000"/>
+                        </a:lnSpc>
+                      </a:pPr>
+                      <a:r>
+                        <a:rPr lang="en-US" altLang="zh-CN" sz="2000" dirty="0" smtClean="0"/>
+                        <a:t>Fs</a:t>
+                      </a:r>
+                      <a:r>
+                        <a:rPr lang="zh-CN" altLang="en-US" sz="2000" dirty="0" smtClean="0"/>
+                        <a:t>方法</a:t>
+                      </a:r>
+                      <a:endParaRPr lang="zh-CN" altLang="en-US" sz="2000" dirty="0"/>
+                    </a:p>
+                  </a:txBody>
+                  <a:tcPr/>
+                </a:tc>
+                <a:tc>
+                  <a:txBody>
+                    <a:bodyPr/>
+                    <a:lstStyle/>
+                    <a:p>
+                      <a:pPr algn="ctr">
+                        <a:lnSpc>
+                          <a:spcPct val="150000"/>
+                        </a:lnSpc>
+                      </a:pPr>
+                      <a:r>
+                        <a:rPr lang="en-US" altLang="zh-CN" sz="2000" dirty="0" smtClean="0"/>
+                        <a:t> </a:t>
+                      </a:r>
+                      <a:r>
+                        <a:rPr lang="zh-CN" altLang="en-US" sz="2000" dirty="0" smtClean="0"/>
+                        <a:t>描述</a:t>
+                      </a:r>
+                      <a:endParaRPr lang="zh-CN" altLang="en-US" sz="2000" dirty="0"/>
+                    </a:p>
+                  </a:txBody>
+                  <a:tcPr/>
+                </a:tc>
+              </a:tr>
+              <a:tr h="591561">
+                <a:tc>
+                  <a:txBody>
+                    <a:bodyPr/>
+                    <a:lstStyle/>
+                    <a:p>
+                      <a:pPr algn="ctr">
+                        <a:lnSpc>
+                          <a:spcPct val="150000"/>
+                        </a:lnSpc>
+                      </a:pPr>
+                      <a:r>
+                        <a:rPr lang="en-US" altLang="zh-CN" sz="2000" dirty="0" smtClean="0"/>
+                        <a:t>truncate(2)</a:t>
+                      </a:r>
+                      <a:endParaRPr lang="zh-CN" altLang="en-US" sz="2000" dirty="0"/>
+                    </a:p>
+                  </a:txBody>
+                  <a:tcPr/>
+                </a:tc>
+                <a:tc>
+                  <a:txBody>
+                    <a:bodyPr/>
+                    <a:lstStyle/>
+                    <a:p>
+                      <a:pPr algn="ctr">
+                        <a:lnSpc>
+                          <a:spcPct val="150000"/>
+                        </a:lnSpc>
+                      </a:pPr>
+                      <a:r>
+                        <a:rPr lang="en-US" altLang="zh-CN" sz="2000" dirty="0" err="1" smtClean="0"/>
+                        <a:t>fs.truncate</a:t>
+                      </a:r>
+                      <a:endParaRPr lang="zh-CN" altLang="en-US" sz="2000" dirty="0"/>
+                    </a:p>
+                  </a:txBody>
+                  <a:tcPr/>
+                </a:tc>
+                <a:tc>
+                  <a:txBody>
+                    <a:bodyPr/>
+                    <a:lstStyle/>
+                    <a:p>
+                      <a:pPr algn="ctr">
+                        <a:lnSpc>
+                          <a:spcPct val="150000"/>
+                        </a:lnSpc>
+                      </a:pPr>
+                      <a:r>
+                        <a:rPr lang="zh-CN" altLang="en-US" sz="2000" dirty="0" smtClean="0"/>
+                        <a:t>截断或者扩展文件到指定长度</a:t>
+                      </a:r>
+                      <a:endParaRPr lang="zh-CN" altLang="en-US" sz="2000" dirty="0"/>
+                    </a:p>
+                  </a:txBody>
+                  <a:tcPr/>
+                </a:tc>
+              </a:tr>
+              <a:tr h="591561">
+                <a:tc>
+                  <a:txBody>
+                    <a:bodyPr/>
+                    <a:lstStyle/>
+                    <a:p>
+                      <a:pPr>
+                        <a:lnSpc>
+                          <a:spcPct val="150000"/>
+                        </a:lnSpc>
+                      </a:pPr>
+                      <a:r>
+                        <a:rPr lang="en-US" altLang="zh-CN" sz="2000" dirty="0" smtClean="0"/>
+                        <a:t>write(2)</a:t>
+                      </a:r>
+                      <a:endParaRPr lang="zh-CN" altLang="en-US" sz="2000" dirty="0"/>
+                    </a:p>
+                  </a:txBody>
+                  <a:tcPr/>
+                </a:tc>
+                <a:tc>
+                  <a:txBody>
+                    <a:bodyPr/>
+                    <a:lstStyle/>
+                    <a:p>
+                      <a:pPr>
+                        <a:lnSpc>
+                          <a:spcPct val="150000"/>
+                        </a:lnSpc>
+                      </a:pPr>
+                      <a:r>
+                        <a:rPr lang="en-US" altLang="zh-CN" sz="2000" dirty="0" err="1" smtClean="0"/>
+                        <a:t>fs.write</a:t>
+                      </a:r>
+                      <a:endParaRPr lang="zh-CN" altLang="en-US" sz="2000" dirty="0"/>
+                    </a:p>
+                  </a:txBody>
+                  <a:tcPr/>
+                </a:tc>
+                <a:tc>
+                  <a:txBody>
+                    <a:bodyPr/>
+                    <a:lstStyle/>
+                    <a:p>
+                      <a:pPr>
+                        <a:lnSpc>
+                          <a:spcPct val="150000"/>
+                        </a:lnSpc>
+                      </a:pPr>
+                      <a:r>
+                        <a:rPr lang="zh-CN" altLang="en-US" sz="2000" dirty="0" smtClean="0"/>
+                        <a:t>写入数据到一个文件</a:t>
+                      </a:r>
+                      <a:endParaRPr lang="zh-CN" altLang="en-US" sz="2000" dirty="0"/>
+                    </a:p>
+                  </a:txBody>
+                  <a:tcPr/>
+                </a:tc>
+              </a:tr>
+              <a:tr h="591561">
+                <a:tc>
+                  <a:txBody>
+                    <a:bodyPr/>
+                    <a:lstStyle/>
+                    <a:p>
+                      <a:pPr>
+                        <a:lnSpc>
+                          <a:spcPct val="150000"/>
+                        </a:lnSpc>
+                      </a:pPr>
+                      <a:r>
+                        <a:rPr lang="en-US" altLang="zh-CN" sz="2000" dirty="0" smtClean="0"/>
+                        <a:t>read(2)</a:t>
+                      </a:r>
+                      <a:endParaRPr lang="zh-CN" altLang="en-US" sz="2000" dirty="0"/>
+                    </a:p>
+                  </a:txBody>
+                  <a:tcPr/>
+                </a:tc>
+                <a:tc>
+                  <a:txBody>
+                    <a:bodyPr/>
+                    <a:lstStyle/>
+                    <a:p>
+                      <a:pPr>
+                        <a:lnSpc>
+                          <a:spcPct val="150000"/>
+                        </a:lnSpc>
+                      </a:pPr>
+                      <a:r>
+                        <a:rPr lang="en-US" altLang="zh-CN" sz="2000" dirty="0" err="1" smtClean="0"/>
+                        <a:t>fs.read</a:t>
+                      </a:r>
+                      <a:endParaRPr lang="zh-CN" altLang="en-US" sz="2000" dirty="0"/>
+                    </a:p>
+                  </a:txBody>
+                  <a:tcPr/>
+                </a:tc>
+                <a:tc>
+                  <a:txBody>
+                    <a:bodyPr/>
+                    <a:lstStyle/>
+                    <a:p>
+                      <a:pPr>
+                        <a:lnSpc>
+                          <a:spcPct val="150000"/>
+                        </a:lnSpc>
+                      </a:pPr>
+                      <a:r>
+                        <a:rPr lang="zh-CN" altLang="en-US" sz="2000" dirty="0" smtClean="0"/>
+                        <a:t>读取一个文件</a:t>
+                      </a:r>
+                      <a:endParaRPr lang="zh-CN" altLang="en-US" sz="2000" dirty="0"/>
+                    </a:p>
+                  </a:txBody>
+                  <a:tcPr/>
+                </a:tc>
+              </a:tr>
+              <a:tr h="591561">
+                <a:tc>
+                  <a:txBody>
+                    <a:bodyPr/>
+                    <a:lstStyle/>
+                    <a:p>
+                      <a:pPr>
+                        <a:lnSpc>
+                          <a:spcPct val="150000"/>
+                        </a:lnSpc>
+                      </a:pPr>
+                      <a:r>
+                        <a:rPr lang="en-US" altLang="zh-CN" sz="2000" dirty="0" smtClean="0"/>
+                        <a:t>open(2)</a:t>
+                      </a:r>
+                      <a:endParaRPr lang="zh-CN" altLang="en-US" sz="2000" dirty="0"/>
+                    </a:p>
+                  </a:txBody>
+                  <a:tcPr/>
+                </a:tc>
+                <a:tc>
+                  <a:txBody>
+                    <a:bodyPr/>
+                    <a:lstStyle/>
+                    <a:p>
+                      <a:pPr>
+                        <a:lnSpc>
+                          <a:spcPct val="150000"/>
+                        </a:lnSpc>
+                      </a:pPr>
+                      <a:r>
+                        <a:rPr lang="en-US" altLang="zh-CN" sz="2000" dirty="0" err="1" smtClean="0"/>
+                        <a:t>fs.open</a:t>
+                      </a:r>
+                      <a:endParaRPr lang="zh-CN" altLang="en-US" sz="2000" dirty="0"/>
+                    </a:p>
+                  </a:txBody>
+                  <a:tcPr/>
+                </a:tc>
+                <a:tc>
+                  <a:txBody>
+                    <a:bodyPr/>
+                    <a:lstStyle/>
+                    <a:p>
+                      <a:pPr>
+                        <a:lnSpc>
+                          <a:spcPct val="150000"/>
+                        </a:lnSpc>
+                      </a:pPr>
+                      <a:r>
+                        <a:rPr lang="zh-CN" altLang="en-US" sz="2000" dirty="0" smtClean="0"/>
+                        <a:t>打开或者创建一个文件用来读取或都写入</a:t>
+                      </a:r>
+                      <a:endParaRPr lang="zh-CN" altLang="en-US" sz="2000" dirty="0"/>
+                    </a:p>
+                  </a:txBody>
+                  <a:tcPr/>
+                </a:tc>
+              </a:tr>
+              <a:tr h="591561">
+                <a:tc>
+                  <a:txBody>
+                    <a:bodyPr/>
+                    <a:lstStyle/>
+                    <a:p>
+                      <a:pPr>
+                        <a:lnSpc>
+                          <a:spcPct val="150000"/>
+                        </a:lnSpc>
+                      </a:pPr>
+                      <a:r>
+                        <a:rPr lang="en-US" altLang="zh-CN" sz="2000" dirty="0" smtClean="0"/>
+                        <a:t>close(2)</a:t>
+                      </a:r>
+                      <a:endParaRPr lang="zh-CN" altLang="en-US" sz="2000" dirty="0"/>
+                    </a:p>
+                  </a:txBody>
+                  <a:tcPr/>
+                </a:tc>
+                <a:tc>
+                  <a:txBody>
+                    <a:bodyPr/>
+                    <a:lstStyle/>
+                    <a:p>
+                      <a:pPr>
+                        <a:lnSpc>
+                          <a:spcPct val="150000"/>
+                        </a:lnSpc>
+                      </a:pPr>
+                      <a:r>
+                        <a:rPr lang="en-US" altLang="zh-CN" sz="2000" dirty="0" err="1" smtClean="0"/>
+                        <a:t>fs.close</a:t>
+                      </a:r>
+                      <a:endParaRPr lang="zh-CN" altLang="en-US" sz="2000" dirty="0"/>
+                    </a:p>
+                  </a:txBody>
+                  <a:tcPr/>
+                </a:tc>
+                <a:tc>
+                  <a:txBody>
+                    <a:bodyPr/>
+                    <a:lstStyle/>
+                    <a:p>
+                      <a:pPr>
+                        <a:lnSpc>
+                          <a:spcPct val="150000"/>
+                        </a:lnSpc>
+                      </a:pPr>
+                      <a:r>
+                        <a:rPr lang="zh-CN" altLang="en-US" sz="2000" dirty="0" smtClean="0"/>
+                        <a:t>关闭一个文件描述符</a:t>
+                      </a:r>
+                      <a:endParaRPr lang="zh-CN" altLang="en-US" sz="2000" dirty="0"/>
+                    </a:p>
+                  </a:txBody>
+                  <a:tcPr/>
+                </a:tc>
+              </a:tr>
+              <a:tr h="591561">
+                <a:tc>
+                  <a:txBody>
+                    <a:bodyPr/>
+                    <a:lstStyle/>
+                    <a:p>
+                      <a:pPr>
+                        <a:lnSpc>
+                          <a:spcPct val="150000"/>
+                        </a:lnSpc>
+                      </a:pPr>
+                      <a:r>
+                        <a:rPr lang="en-US" altLang="zh-CN" sz="2000" dirty="0" err="1" smtClean="0"/>
+                        <a:t>mkdir</a:t>
+                      </a:r>
+                      <a:r>
+                        <a:rPr lang="en-US" altLang="zh-CN" sz="2000" dirty="0" smtClean="0"/>
+                        <a:t>(2)</a:t>
+                      </a:r>
+                      <a:endParaRPr lang="zh-CN" altLang="en-US" sz="2000" dirty="0"/>
+                    </a:p>
+                  </a:txBody>
+                  <a:tcPr/>
+                </a:tc>
+                <a:tc>
+                  <a:txBody>
+                    <a:bodyPr/>
+                    <a:lstStyle/>
+                    <a:p>
+                      <a:pPr>
+                        <a:lnSpc>
+                          <a:spcPct val="150000"/>
+                        </a:lnSpc>
+                      </a:pPr>
+                      <a:r>
+                        <a:rPr lang="en-US" altLang="zh-CN" sz="2000" dirty="0" err="1" smtClean="0"/>
+                        <a:t>fs.mkdir</a:t>
+                      </a:r>
+                      <a:endParaRPr lang="zh-CN" altLang="en-US" sz="2000" dirty="0"/>
+                    </a:p>
+                  </a:txBody>
+                  <a:tcPr/>
+                </a:tc>
+                <a:tc>
+                  <a:txBody>
+                    <a:bodyPr/>
+                    <a:lstStyle/>
+                    <a:p>
+                      <a:pPr>
+                        <a:lnSpc>
+                          <a:spcPct val="150000"/>
+                        </a:lnSpc>
+                      </a:pPr>
+                      <a:r>
+                        <a:rPr lang="zh-CN" altLang="en-US" sz="2000" dirty="0" smtClean="0"/>
+                        <a:t>创建一个文件目录</a:t>
+                      </a:r>
+                      <a:endParaRPr lang="zh-CN" altLang="en-US" sz="2000" dirty="0"/>
+                    </a:p>
+                  </a:txBody>
+                  <a:tcPr/>
+                </a:tc>
+              </a:tr>
+              <a:tr h="591561">
+                <a:tc>
+                  <a:txBody>
+                    <a:bodyPr/>
+                    <a:lstStyle/>
+                    <a:p>
+                      <a:pPr>
+                        <a:lnSpc>
+                          <a:spcPct val="150000"/>
+                        </a:lnSpc>
+                      </a:pPr>
+                      <a:r>
+                        <a:rPr lang="en-US" altLang="zh-CN" sz="2000" dirty="0" err="1" smtClean="0"/>
+                        <a:t>rmdir</a:t>
+                      </a:r>
+                      <a:r>
+                        <a:rPr lang="en-US" altLang="zh-CN" sz="2000" dirty="0" smtClean="0"/>
+                        <a:t>(2)</a:t>
+                      </a:r>
+                      <a:endParaRPr lang="zh-CN" altLang="en-US" sz="2000" dirty="0"/>
+                    </a:p>
+                  </a:txBody>
+                  <a:tcPr/>
+                </a:tc>
+                <a:tc>
+                  <a:txBody>
+                    <a:bodyPr/>
+                    <a:lstStyle/>
+                    <a:p>
+                      <a:pPr>
+                        <a:lnSpc>
+                          <a:spcPct val="150000"/>
+                        </a:lnSpc>
+                      </a:pPr>
+                      <a:r>
+                        <a:rPr lang="en-US" altLang="zh-CN" sz="2000" dirty="0" err="1" smtClean="0"/>
+                        <a:t>fs.rmdir</a:t>
+                      </a:r>
+                      <a:endParaRPr lang="zh-CN" altLang="en-US" sz="2000" dirty="0"/>
+                    </a:p>
+                  </a:txBody>
+                  <a:tcPr/>
+                </a:tc>
+                <a:tc>
+                  <a:txBody>
+                    <a:bodyPr/>
+                    <a:lstStyle/>
+                    <a:p>
+                      <a:pPr>
+                        <a:lnSpc>
+                          <a:spcPct val="150000"/>
+                        </a:lnSpc>
+                      </a:pPr>
+                      <a:r>
+                        <a:rPr lang="zh-CN" altLang="en-US" sz="2000" dirty="0" smtClean="0"/>
+                        <a:t>删除一个文件目录</a:t>
+                      </a:r>
+                      <a:endParaRPr lang="zh-CN" altLang="en-US" sz="2000" dirty="0"/>
+                    </a:p>
+                  </a:txBody>
+                  <a:tcPr/>
+                </a:tc>
+              </a:tr>
+              <a:tr h="591561">
+                <a:tc>
+                  <a:txBody>
+                    <a:bodyPr/>
+                    <a:lstStyle/>
+                    <a:p>
+                      <a:pPr>
+                        <a:lnSpc>
+                          <a:spcPct val="150000"/>
+                        </a:lnSpc>
+                      </a:pPr>
+                      <a:r>
+                        <a:rPr lang="en-US" altLang="zh-CN" sz="2000" dirty="0" smtClean="0"/>
+                        <a:t>state(2)</a:t>
+                      </a:r>
+                      <a:endParaRPr lang="zh-CN" altLang="en-US" sz="2000" dirty="0"/>
+                    </a:p>
+                  </a:txBody>
+                  <a:tcPr/>
+                </a:tc>
+                <a:tc>
+                  <a:txBody>
+                    <a:bodyPr/>
+                    <a:lstStyle/>
+                    <a:p>
+                      <a:pPr>
+                        <a:lnSpc>
+                          <a:spcPct val="150000"/>
+                        </a:lnSpc>
+                      </a:pPr>
+                      <a:r>
+                        <a:rPr lang="en-US" altLang="zh-CN" sz="2000" dirty="0" err="1" smtClean="0"/>
+                        <a:t>fs.state</a:t>
+                      </a:r>
+                      <a:endParaRPr lang="zh-CN" altLang="en-US" sz="2000" dirty="0"/>
+                    </a:p>
+                  </a:txBody>
+                  <a:tcPr/>
+                </a:tc>
+                <a:tc>
+                  <a:txBody>
+                    <a:bodyPr/>
+                    <a:lstStyle/>
+                    <a:p>
+                      <a:pPr>
+                        <a:lnSpc>
+                          <a:spcPct val="150000"/>
+                        </a:lnSpc>
+                      </a:pPr>
+                      <a:r>
+                        <a:rPr lang="zh-CN" altLang="en-US" sz="2000" dirty="0" smtClean="0"/>
+                        <a:t>获取文件状态</a:t>
+                      </a:r>
+                      <a:endParaRPr lang="zh-CN" altLang="en-US" sz="2000" dirty="0"/>
+                    </a:p>
+                  </a:txBody>
+                  <a:tcPr/>
+                </a:tc>
+              </a:tr>
+              <a:tr h="591561">
+                <a:tc>
+                  <a:txBody>
+                    <a:bodyPr/>
+                    <a:lstStyle/>
+                    <a:p>
+                      <a:pPr>
+                        <a:lnSpc>
+                          <a:spcPct val="150000"/>
+                        </a:lnSpc>
+                      </a:pPr>
+                      <a:r>
+                        <a:rPr lang="en-US" altLang="zh-CN" sz="2000" dirty="0" smtClean="0"/>
+                        <a:t>…</a:t>
+                      </a:r>
+                      <a:endParaRPr lang="zh-CN" altLang="en-US" sz="2000" dirty="0"/>
+                    </a:p>
+                  </a:txBody>
+                  <a:tcPr/>
+                </a:tc>
+                <a:tc>
+                  <a:txBody>
+                    <a:bodyPr/>
+                    <a:lstStyle/>
+                    <a:p>
+                      <a:pPr>
+                        <a:lnSpc>
+                          <a:spcPct val="150000"/>
+                        </a:lnSpc>
+                      </a:pPr>
+                      <a:r>
+                        <a:rPr lang="en-US" altLang="zh-CN" sz="2000" dirty="0" smtClean="0"/>
+                        <a:t>…</a:t>
+                      </a:r>
+                      <a:endParaRPr lang="zh-CN" altLang="en-US" sz="2000" dirty="0"/>
+                    </a:p>
+                  </a:txBody>
+                  <a:tcPr/>
+                </a:tc>
+                <a:tc>
+                  <a:txBody>
+                    <a:bodyPr/>
+                    <a:lstStyle/>
+                    <a:p>
+                      <a:pPr>
+                        <a:lnSpc>
+                          <a:spcPct val="150000"/>
+                        </a:lnSpc>
+                      </a:pPr>
+                      <a:r>
+                        <a:rPr lang="en-US" altLang="zh-CN" sz="2000" dirty="0" smtClean="0"/>
+                        <a:t>…</a:t>
+                      </a:r>
+                      <a:endParaRPr lang="zh-CN" altLang="en-US" sz="2000" dirty="0"/>
+                    </a:p>
+                  </a:txBody>
+                  <a:tcPr/>
+                </a:tc>
+              </a:tr>
+            </a:tbl>
+          </a:graphicData>
+        </a:graphic>
+      </p:graphicFrame>
     </p:spTree>
     <p:extLst>
       <p:ext uri="{BB962C8B-B14F-4D97-AF65-F5344CB8AC3E}">
-        <p14:creationId xmlns:p14="http://schemas.microsoft.com/office/powerpoint/2010/main" val="671767488"/>
+        <p14:creationId xmlns:p14="http://schemas.microsoft.com/office/powerpoint/2010/main" val="501780189"/>
       </p:ext>
     </p:extLst>
   </p:cSld>
@@ -7019,127 +7570,241 @@
       </p:grpSpPr>
       <p:sp>
         <p:nvSpPr>
-          <p:cNvPr id="3" name="内容占位符 2"/>
-          <p:cNvSpPr>
-            <a:spLocks noGrp="1"/>
-          </p:cNvSpPr>
-          <p:nvPr>
-            <p:ph idx="1"/>
-          </p:nvPr>
+          <p:cNvPr id="4" name="文本框 3"/>
+          <p:cNvSpPr txBox="1"/>
+          <p:nvPr/>
         </p:nvSpPr>
         <p:spPr>
           <a:xfrm>
-            <a:off x="838200" y="1223493"/>
-            <a:ext cx="10515600" cy="4953470"/>
+            <a:off x="469557" y="420130"/>
+            <a:ext cx="11467070" cy="584775"/>
           </a:xfrm>
+          <a:prstGeom prst="rect">
+            <a:avLst/>
+          </a:prstGeom>
+          <a:noFill/>
         </p:spPr>
         <p:txBody>
-          <a:bodyPr>
-            <a:normAutofit/>
+          <a:bodyPr wrap="square" rtlCol="0">
+            <a:spAutoFit/>
           </a:bodyPr>
           <a:lstStyle/>
           <a:p>
-            <a:pPr marL="0" indent="0">
-              <a:buNone/>
-            </a:pPr>
-            <a:r>
-              <a:rPr lang="zh-CN" altLang="en-US" dirty="0" smtClean="0"/>
-              <a:t>同步版本</a:t>
-            </a:r>
-            <a:endParaRPr lang="en-US" altLang="zh-CN" dirty="0"/>
-          </a:p>
-          <a:p>
-            <a:r>
-              <a:rPr lang="en-US" altLang="zh-CN" dirty="0" err="1" smtClean="0"/>
+            <a:r>
+              <a:rPr lang="zh-CN" altLang="en-US" sz="3200" b="1" dirty="0"/>
+              <a:t>流</a:t>
+            </a:r>
+          </a:p>
+        </p:txBody>
+      </p:sp>
+      <p:sp>
+        <p:nvSpPr>
+          <p:cNvPr id="6" name="文本框 5"/>
+          <p:cNvSpPr txBox="1"/>
+          <p:nvPr/>
+        </p:nvSpPr>
+        <p:spPr>
+          <a:xfrm>
+            <a:off x="771525" y="1114425"/>
+            <a:ext cx="10215563" cy="2246769"/>
+          </a:xfrm>
+          <a:prstGeom prst="rect">
+            <a:avLst/>
+          </a:prstGeom>
+          <a:noFill/>
+        </p:spPr>
+        <p:txBody>
+          <a:bodyPr wrap="square" rtlCol="0">
+            <a:spAutoFit/>
+          </a:bodyPr>
+          <a:lstStyle/>
+          <a:p>
+            <a:r>
+              <a:rPr lang="en-US" altLang="zh-CN" sz="2800" dirty="0" err="1" smtClean="0"/>
               <a:t>const</a:t>
             </a:r>
             <a:r>
-              <a:rPr lang="en-US" altLang="zh-CN" dirty="0" smtClean="0"/>
-              <a:t> fs = require('fs');</a:t>
-            </a:r>
-          </a:p>
-          <a:p>
-            <a:endParaRPr lang="en-US" altLang="zh-CN" dirty="0" smtClean="0"/>
-          </a:p>
-          <a:p>
-            <a:r>
-              <a:rPr lang="en-US" altLang="zh-CN" dirty="0" smtClean="0"/>
-              <a:t>try {</a:t>
-            </a:r>
-          </a:p>
-          <a:p>
-            <a:r>
-              <a:rPr lang="en-US" altLang="zh-CN" dirty="0" smtClean="0"/>
-              <a:t>  </a:t>
-            </a:r>
-            <a:r>
-              <a:rPr lang="en-US" altLang="zh-CN" dirty="0" err="1" smtClean="0"/>
-              <a:t>fs.unlinkSync</a:t>
-            </a:r>
-            <a:r>
-              <a:rPr lang="en-US" altLang="zh-CN" dirty="0" smtClean="0"/>
-              <a:t>('/</a:t>
-            </a:r>
-            <a:r>
-              <a:rPr lang="en-US" altLang="zh-CN" dirty="0" err="1" smtClean="0"/>
-              <a:t>tmp</a:t>
-            </a:r>
-            <a:r>
-              <a:rPr lang="en-US" altLang="zh-CN" dirty="0" smtClean="0"/>
-              <a:t>/hello');</a:t>
-            </a:r>
-          </a:p>
-          <a:p>
-            <a:r>
-              <a:rPr lang="en-US" altLang="zh-CN" dirty="0" smtClean="0"/>
-              <a:t>  console.log('</a:t>
-            </a:r>
-            <a:r>
-              <a:rPr lang="zh-CN" altLang="en-US" dirty="0" smtClean="0"/>
-              <a:t>已成功删除 </a:t>
-            </a:r>
-            <a:r>
-              <a:rPr lang="en-US" altLang="zh-CN" dirty="0" smtClean="0"/>
-              <a:t>/</a:t>
-            </a:r>
-            <a:r>
-              <a:rPr lang="en-US" altLang="zh-CN" dirty="0" err="1" smtClean="0"/>
-              <a:t>tmp</a:t>
-            </a:r>
-            <a:r>
-              <a:rPr lang="en-US" altLang="zh-CN" dirty="0" smtClean="0"/>
-              <a:t>/hello');</a:t>
-            </a:r>
-          </a:p>
-          <a:p>
-            <a:r>
-              <a:rPr lang="en-US" altLang="zh-CN" dirty="0" smtClean="0"/>
-              <a:t>} catch (err) {</a:t>
-            </a:r>
-          </a:p>
-          <a:p>
-            <a:r>
-              <a:rPr lang="en-US" altLang="zh-CN" dirty="0" smtClean="0"/>
-              <a:t>  // </a:t>
-            </a:r>
-            <a:r>
-              <a:rPr lang="zh-CN" altLang="en-US" dirty="0" smtClean="0"/>
-              <a:t>处理错误</a:t>
-            </a:r>
-          </a:p>
-          <a:p>
-            <a:r>
-              <a:rPr lang="en-US" altLang="zh-CN" dirty="0" smtClean="0"/>
-              <a:t>}</a:t>
-            </a:r>
-            <a:endParaRPr lang="zh-CN" altLang="en-US" dirty="0"/>
+              <a:rPr lang="en-US" altLang="zh-CN" sz="2800" dirty="0" smtClean="0"/>
+              <a:t> fs = require(‘fs’);</a:t>
+            </a:r>
+          </a:p>
+          <a:p>
+            <a:r>
+              <a:rPr lang="en-US" altLang="zh-CN" sz="2800" dirty="0" err="1" smtClean="0"/>
+              <a:t>const</a:t>
+            </a:r>
+            <a:r>
+              <a:rPr lang="en-US" altLang="zh-CN" sz="2800" dirty="0" smtClean="0"/>
+              <a:t> readable = </a:t>
+            </a:r>
+            <a:r>
+              <a:rPr lang="en-US" altLang="zh-CN" sz="2800" dirty="0" err="1" smtClean="0"/>
+              <a:t>fs.createReadStream</a:t>
+            </a:r>
+            <a:r>
+              <a:rPr lang="en-US" altLang="zh-CN" sz="2800" dirty="0" smtClean="0"/>
+              <a:t>(‘./origin.txt’);</a:t>
+            </a:r>
+          </a:p>
+          <a:p>
+            <a:r>
+              <a:rPr lang="en-US" altLang="zh-CN" sz="2800" dirty="0" err="1"/>
+              <a:t>c</a:t>
+            </a:r>
+            <a:r>
+              <a:rPr lang="en-US" altLang="zh-CN" sz="2800" dirty="0" err="1" smtClean="0"/>
+              <a:t>onst</a:t>
+            </a:r>
+            <a:r>
+              <a:rPr lang="en-US" altLang="zh-CN" sz="2800" dirty="0" smtClean="0"/>
+              <a:t> writeable = </a:t>
+            </a:r>
+            <a:r>
+              <a:rPr lang="en-US" altLang="zh-CN" sz="2800" dirty="0" err="1" smtClean="0"/>
+              <a:t>fs.createWriteStream</a:t>
+            </a:r>
+            <a:r>
+              <a:rPr lang="en-US" altLang="zh-CN" sz="2800" dirty="0" smtClean="0"/>
+              <a:t>(‘./copy.txt’);</a:t>
+            </a:r>
+          </a:p>
+          <a:p>
+            <a:endParaRPr lang="en-US" altLang="zh-CN" sz="2800" dirty="0"/>
+          </a:p>
+          <a:p>
+            <a:r>
+              <a:rPr lang="en-US" altLang="zh-CN" sz="2800" dirty="0" err="1" smtClean="0"/>
+              <a:t>readable.pipe</a:t>
+            </a:r>
+            <a:r>
+              <a:rPr lang="en-US" altLang="zh-CN" sz="2800" dirty="0" smtClean="0"/>
+              <a:t>(writeable);</a:t>
+            </a:r>
+            <a:endParaRPr lang="zh-CN" altLang="en-US" sz="2800" dirty="0"/>
+          </a:p>
+        </p:txBody>
+      </p:sp>
+      <p:sp>
+        <p:nvSpPr>
+          <p:cNvPr id="7" name="文本框 6"/>
+          <p:cNvSpPr txBox="1"/>
+          <p:nvPr/>
+        </p:nvSpPr>
+        <p:spPr>
+          <a:xfrm>
+            <a:off x="369544" y="3470714"/>
+            <a:ext cx="11467070" cy="584775"/>
+          </a:xfrm>
+          <a:prstGeom prst="rect">
+            <a:avLst/>
+          </a:prstGeom>
+          <a:noFill/>
+        </p:spPr>
+        <p:txBody>
+          <a:bodyPr wrap="square" rtlCol="0">
+            <a:spAutoFit/>
+          </a:bodyPr>
+          <a:lstStyle/>
+          <a:p>
+            <a:r>
+              <a:rPr lang="zh-CN" altLang="en-US" sz="3200" b="1" dirty="0"/>
+              <a:t>批量</a:t>
+            </a:r>
+            <a:r>
+              <a:rPr lang="zh-CN" altLang="en-US" sz="3200" b="1" dirty="0" smtClean="0"/>
+              <a:t>操作</a:t>
+            </a:r>
+            <a:r>
+              <a:rPr lang="zh-CN" altLang="en-US" sz="3200" b="1" dirty="0" smtClean="0"/>
+              <a:t>文件</a:t>
+            </a:r>
+            <a:endParaRPr lang="zh-CN" altLang="en-US" sz="3200" b="1" dirty="0"/>
+          </a:p>
+        </p:txBody>
+      </p:sp>
+      <p:sp>
+        <p:nvSpPr>
+          <p:cNvPr id="8" name="文本框 7"/>
+          <p:cNvSpPr txBox="1"/>
+          <p:nvPr/>
+        </p:nvSpPr>
+        <p:spPr>
+          <a:xfrm>
+            <a:off x="771524" y="4059120"/>
+            <a:ext cx="10215563" cy="2246769"/>
+          </a:xfrm>
+          <a:prstGeom prst="rect">
+            <a:avLst/>
+          </a:prstGeom>
+          <a:noFill/>
+        </p:spPr>
+        <p:txBody>
+          <a:bodyPr wrap="square" rtlCol="0">
+            <a:spAutoFit/>
+          </a:bodyPr>
+          <a:lstStyle/>
+          <a:p>
+            <a:r>
+              <a:rPr lang="en-US" altLang="zh-CN" sz="2800" dirty="0" err="1" smtClean="0"/>
+              <a:t>const</a:t>
+            </a:r>
+            <a:r>
+              <a:rPr lang="en-US" altLang="zh-CN" sz="2800" dirty="0" smtClean="0"/>
+              <a:t> fs = require(‘fs’);</a:t>
+            </a:r>
+          </a:p>
+          <a:p>
+            <a:endParaRPr lang="en-US" altLang="zh-CN" sz="2800" dirty="0"/>
+          </a:p>
+          <a:p>
+            <a:r>
+              <a:rPr lang="en-US" altLang="zh-CN" sz="2800" dirty="0" err="1" smtClean="0"/>
+              <a:t>fs.readFile</a:t>
+            </a:r>
+            <a:r>
+              <a:rPr lang="en-US" altLang="zh-CN" sz="2800" dirty="0" smtClean="0"/>
+              <a:t>(‘path/….’, (err, </a:t>
+            </a:r>
+            <a:r>
+              <a:rPr lang="en-US" altLang="zh-CN" sz="2800" dirty="0" err="1" smtClean="0"/>
+              <a:t>buf</a:t>
+            </a:r>
+            <a:r>
+              <a:rPr lang="en-US" altLang="zh-CN" sz="2800" dirty="0" smtClean="0"/>
+              <a:t>) =&gt; {</a:t>
+            </a:r>
+          </a:p>
+          <a:p>
+            <a:r>
+              <a:rPr lang="en-US" altLang="zh-CN" sz="2800" dirty="0"/>
+              <a:t>	</a:t>
+            </a:r>
+            <a:r>
+              <a:rPr lang="en-US" altLang="zh-CN" sz="2800" dirty="0" smtClean="0"/>
+              <a:t>console.log(</a:t>
+            </a:r>
+            <a:r>
+              <a:rPr lang="en-US" altLang="zh-CN" sz="2800" dirty="0" err="1" smtClean="0"/>
+              <a:t>buf</a:t>
+            </a:r>
+            <a:r>
+              <a:rPr lang="en-US" altLang="zh-CN" sz="2800" dirty="0" smtClean="0"/>
+              <a:t>);</a:t>
+            </a:r>
+          </a:p>
+          <a:p>
+            <a:r>
+              <a:rPr lang="en-US" altLang="zh-CN" sz="2800" dirty="0" smtClean="0"/>
+              <a:t>})</a:t>
+            </a:r>
+            <a:endParaRPr lang="zh-CN" altLang="en-US" sz="2800" dirty="0"/>
           </a:p>
         </p:txBody>
       </p:sp>
     </p:spTree>
     <p:extLst>
       <p:ext uri="{BB962C8B-B14F-4D97-AF65-F5344CB8AC3E}">
-        <p14:creationId xmlns:p14="http://schemas.microsoft.com/office/powerpoint/2010/main" val="1230849542"/>
+        <p14:creationId xmlns:p14="http://schemas.microsoft.com/office/powerpoint/2010/main" val="671767488"/>
       </p:ext>
     </p:extLst>
   </p:cSld>
@@ -7185,17 +7850,52 @@
         </p:nvSpPr>
         <p:spPr>
           <a:xfrm>
-            <a:off x="838200" y="1194559"/>
-            <a:ext cx="10515600" cy="4351338"/>
+            <a:off x="838200" y="1223493"/>
+            <a:ext cx="10515600" cy="4953470"/>
           </a:xfrm>
         </p:spPr>
         <p:txBody>
-          <a:bodyPr/>
+          <a:bodyPr>
+            <a:normAutofit/>
+          </a:bodyPr>
           <a:lstStyle/>
           <a:p>
+            <a:pPr marL="0" indent="0">
+              <a:buNone/>
+            </a:pPr>
+            <a:r>
+              <a:rPr lang="zh-CN" altLang="en-US" dirty="0" smtClean="0"/>
+              <a:t>同步版本</a:t>
+            </a:r>
+            <a:endParaRPr lang="en-US" altLang="zh-CN" dirty="0"/>
+          </a:p>
+          <a:p>
             <a:r>
               <a:rPr lang="en-US" altLang="zh-CN" dirty="0" err="1" smtClean="0"/>
-              <a:t>fs.rename</a:t>
+              <a:t>const</a:t>
+            </a:r>
+            <a:r>
+              <a:rPr lang="en-US" altLang="zh-CN" dirty="0" smtClean="0"/>
+              <a:t> fs = require('fs');</a:t>
+            </a:r>
+          </a:p>
+          <a:p>
+            <a:endParaRPr lang="en-US" altLang="zh-CN" dirty="0" smtClean="0"/>
+          </a:p>
+          <a:p>
+            <a:r>
+              <a:rPr lang="en-US" altLang="zh-CN" dirty="0" smtClean="0"/>
+              <a:t>try {</a:t>
+            </a:r>
+          </a:p>
+          <a:p>
+            <a:r>
+              <a:rPr lang="en-US" altLang="zh-CN" dirty="0" smtClean="0"/>
+              <a:t>  </a:t>
+            </a:r>
+            <a:r>
+              <a:rPr lang="en-US" altLang="zh-CN" dirty="0" err="1" smtClean="0"/>
+              <a:t>fs.unlinkSync</a:t>
             </a:r>
             <a:r>
               <a:rPr lang="en-US" altLang="zh-CN" dirty="0" smtClean="0"/>
@@ -7207,7 +7907,21 @@
             </a:r>
             <a:r>
               <a:rPr lang="en-US" altLang="zh-CN" dirty="0" smtClean="0"/>
-              <a:t>/hello', '/</a:t>
+              <a:t>/hello');</a:t>
+            </a:r>
+          </a:p>
+          <a:p>
+            <a:r>
+              <a:rPr lang="en-US" altLang="zh-CN" dirty="0" smtClean="0"/>
+              <a:t>  console.log('</a:t>
+            </a:r>
+            <a:r>
+              <a:rPr lang="zh-CN" altLang="en-US" dirty="0" smtClean="0"/>
+              <a:t>已成功删除 </a:t>
+            </a:r>
+            <a:r>
+              <a:rPr lang="en-US" altLang="zh-CN" dirty="0" smtClean="0"/>
+              <a:t>/</a:t>
             </a:r>
             <a:r>
               <a:rPr lang="en-US" altLang="zh-CN" dirty="0" err="1" smtClean="0"/>
@@ -7215,85 +7929,29 @@
             </a:r>
             <a:r>
               <a:rPr lang="en-US" altLang="zh-CN" dirty="0" smtClean="0"/>
-              <a:t>/world', (err) =&gt; {</a:t>
-            </a:r>
-          </a:p>
-          <a:p>
-            <a:r>
-              <a:rPr lang="en-US" altLang="zh-CN" dirty="0" smtClean="0"/>
-              <a:t>  if (err) throw err;</a:t>
-            </a:r>
-          </a:p>
-          <a:p>
-            <a:r>
-              <a:rPr lang="en-US" altLang="zh-CN" dirty="0" smtClean="0"/>
-              <a:t>  console.log('</a:t>
+              <a:t>/hello');</a:t>
+            </a:r>
+          </a:p>
+          <a:p>
+            <a:r>
+              <a:rPr lang="en-US" altLang="zh-CN" dirty="0" smtClean="0"/>
+              <a:t>} catch (err) {</a:t>
+            </a:r>
+          </a:p>
+          <a:p>
+            <a:r>
+              <a:rPr lang="en-US" altLang="zh-CN" dirty="0" smtClean="0"/>
+              <a:t>  // </a:t>
             </a:r>
             <a:r>
               <a:rPr lang="zh-CN" altLang="en-US" dirty="0" smtClean="0"/>
-              <a:t>重命名完成</a:t>
-            </a:r>
-            <a:r>
-              <a:rPr lang="en-US" altLang="zh-CN" dirty="0" smtClean="0"/>
-              <a:t>');</a:t>
-            </a:r>
-          </a:p>
-          <a:p>
-            <a:r>
-              <a:rPr lang="en-US" altLang="zh-CN" dirty="0" smtClean="0"/>
-              <a:t>});</a:t>
-            </a:r>
-          </a:p>
-          <a:p>
-            <a:r>
-              <a:rPr lang="en-US" altLang="zh-CN" dirty="0" err="1" smtClean="0"/>
-              <a:t>fs.stat</a:t>
-            </a:r>
-            <a:r>
-              <a:rPr lang="en-US" altLang="zh-CN" dirty="0" smtClean="0"/>
-              <a:t>('/</a:t>
-            </a:r>
-            <a:r>
-              <a:rPr lang="en-US" altLang="zh-CN" dirty="0" err="1" smtClean="0"/>
-              <a:t>tmp</a:t>
-            </a:r>
-            <a:r>
-              <a:rPr lang="en-US" altLang="zh-CN" dirty="0" smtClean="0"/>
-              <a:t>/world', (err, stats) =&gt; {</a:t>
-            </a:r>
-          </a:p>
-          <a:p>
-            <a:r>
-              <a:rPr lang="en-US" altLang="zh-CN" dirty="0" smtClean="0"/>
-              <a:t>  if (err) throw err;</a:t>
-            </a:r>
-          </a:p>
-          <a:p>
-            <a:r>
-              <a:rPr lang="en-US" altLang="zh-CN" dirty="0" smtClean="0"/>
-              <a:t>  console.log(`</a:t>
-            </a:r>
-            <a:r>
-              <a:rPr lang="zh-CN" altLang="en-US" dirty="0" smtClean="0"/>
-              <a:t>文件属性</a:t>
-            </a:r>
-            <a:r>
-              <a:rPr lang="en-US" altLang="zh-CN" dirty="0" smtClean="0"/>
-              <a:t>: ${</a:t>
-            </a:r>
-            <a:r>
-              <a:rPr lang="en-US" altLang="zh-CN" dirty="0" err="1" smtClean="0"/>
-              <a:t>JSON.stringify</a:t>
-            </a:r>
-            <a:r>
-              <a:rPr lang="en-US" altLang="zh-CN" dirty="0" smtClean="0"/>
-              <a:t>(stats)}`);</a:t>
-            </a:r>
-          </a:p>
-          <a:p>
-            <a:r>
-              <a:rPr lang="en-US" altLang="zh-CN" dirty="0" smtClean="0"/>
-              <a:t>});</a:t>
+              <a:t>处理错误</a:t>
+            </a:r>
+          </a:p>
+          <a:p>
+            <a:r>
+              <a:rPr lang="en-US" altLang="zh-CN" dirty="0" smtClean="0"/>
+              <a:t>}</a:t>
             </a:r>
             <a:endParaRPr lang="zh-CN" altLang="en-US" dirty="0"/>
           </a:p>
@@ -7302,7 +7960,7 @@
     </p:spTree>
     <p:extLst>
       <p:ext uri="{BB962C8B-B14F-4D97-AF65-F5344CB8AC3E}">
-        <p14:creationId xmlns:p14="http://schemas.microsoft.com/office/powerpoint/2010/main" val="2395348181"/>
+        <p14:creationId xmlns:p14="http://schemas.microsoft.com/office/powerpoint/2010/main" val="1230849542"/>
       </p:ext>
     </p:extLst>
   </p:cSld>
@@ -7348,87 +8006,115 @@
         </p:nvSpPr>
         <p:spPr>
           <a:xfrm>
-            <a:off x="838200" y="401053"/>
-            <a:ext cx="10515600" cy="5775910"/>
+            <a:off x="838200" y="1194559"/>
+            <a:ext cx="10515600" cy="4351338"/>
           </a:xfrm>
         </p:spPr>
         <p:txBody>
-          <a:bodyPr>
-            <a:normAutofit/>
-          </a:bodyPr>
+          <a:bodyPr/>
           <a:lstStyle/>
           <a:p>
             <a:r>
+              <a:rPr lang="en-US" altLang="zh-CN" dirty="0" err="1" smtClean="0"/>
+              <a:t>fs.rename</a:t>
+            </a:r>
+            <a:r>
+              <a:rPr lang="en-US" altLang="zh-CN" dirty="0" smtClean="0"/>
+              <a:t>('/</a:t>
+            </a:r>
+            <a:r>
+              <a:rPr lang="en-US" altLang="zh-CN" dirty="0" err="1" smtClean="0"/>
+              <a:t>tmp</a:t>
+            </a:r>
+            <a:r>
+              <a:rPr lang="en-US" altLang="zh-CN" dirty="0" smtClean="0"/>
+              <a:t>/hello', '/</a:t>
+            </a:r>
+            <a:r>
+              <a:rPr lang="en-US" altLang="zh-CN" dirty="0" err="1" smtClean="0"/>
+              <a:t>tmp</a:t>
+            </a:r>
+            <a:r>
+              <a:rPr lang="en-US" altLang="zh-CN" dirty="0" smtClean="0"/>
+              <a:t>/world', (err) =&gt; {</a:t>
+            </a:r>
+          </a:p>
+          <a:p>
+            <a:r>
+              <a:rPr lang="en-US" altLang="zh-CN" dirty="0" smtClean="0"/>
+              <a:t>  if (err) throw err;</a:t>
+            </a:r>
+          </a:p>
+          <a:p>
+            <a:r>
+              <a:rPr lang="en-US" altLang="zh-CN" dirty="0" smtClean="0"/>
+              <a:t>  console.log('</a:t>
+            </a:r>
+            <a:r>
               <a:rPr lang="zh-CN" altLang="en-US" dirty="0" smtClean="0"/>
-              <a:t>有时可能需要了解文件的一些特征，例如大小、创建时间或者权限，可以使用</a:t>
-            </a:r>
+              <a:t>重命名完成</a:t>
+            </a:r>
+            <a:r>
+              <a:rPr lang="en-US" altLang="zh-CN" dirty="0" smtClean="0"/>
+              <a:t>');</a:t>
+            </a:r>
+          </a:p>
+          <a:p>
+            <a:r>
+              <a:rPr lang="en-US" altLang="zh-CN" dirty="0" smtClean="0"/>
+              <a:t>});</a:t>
+            </a:r>
+          </a:p>
+          <a:p>
             <a:r>
               <a:rPr lang="en-US" altLang="zh-CN" dirty="0" err="1" smtClean="0"/>
               <a:t>fs.stat</a:t>
             </a:r>
             <a:r>
               <a:rPr lang="en-US" altLang="zh-CN" dirty="0" smtClean="0"/>
-              <a:t>()</a:t>
+              <a:t>('/</a:t>
+            </a:r>
+            <a:r>
+              <a:rPr lang="en-US" altLang="zh-CN" dirty="0" err="1" smtClean="0"/>
+              <a:t>tmp</a:t>
+            </a:r>
+            <a:r>
+              <a:rPr lang="en-US" altLang="zh-CN" dirty="0" smtClean="0"/>
+              <a:t>/world', (err, stats) =&gt; {</a:t>
+            </a:r>
+          </a:p>
+          <a:p>
+            <a:r>
+              <a:rPr lang="en-US" altLang="zh-CN" dirty="0" smtClean="0"/>
+              <a:t>  if (err) throw err;</a:t>
+            </a:r>
+          </a:p>
+          <a:p>
+            <a:r>
+              <a:rPr lang="en-US" altLang="zh-CN" dirty="0" smtClean="0"/>
+              <a:t>  console.log(`</a:t>
             </a:r>
             <a:r>
               <a:rPr lang="zh-CN" altLang="en-US" dirty="0" smtClean="0"/>
-              <a:t>函数来查询文件或目录的元信息</a:t>
-            </a:r>
-          </a:p>
-          <a:p>
-            <a:r>
-              <a:rPr lang="zh-CN" altLang="en-US" dirty="0" smtClean="0"/>
-              <a:t>	</a:t>
-            </a:r>
-            <a:r>
-              <a:rPr lang="en-US" altLang="zh-CN" dirty="0" smtClean="0"/>
-              <a:t>let fs = require('fs');</a:t>
-            </a:r>
-          </a:p>
-          <a:p>
-            <a:endParaRPr lang="en-US" altLang="zh-CN" dirty="0" smtClean="0"/>
-          </a:p>
-          <a:p>
-            <a:r>
-              <a:rPr lang="en-US" altLang="zh-CN" dirty="0" smtClean="0"/>
-              <a:t>	</a:t>
+              <a:t>文件属性</a:t>
+            </a:r>
+            <a:r>
+              <a:rPr lang="en-US" altLang="zh-CN" dirty="0" smtClean="0"/>
+              <a:t>: ${</a:t>
             </a:r>
             <a:r>
               <a:rPr lang="en-US" altLang="zh-CN" dirty="0" err="1" smtClean="0"/>
-              <a:t>fs.stat</a:t>
-            </a:r>
-            <a:r>
-              <a:rPr lang="en-US" altLang="zh-CN" dirty="0" smtClean="0"/>
-              <a:t>('/</a:t>
-            </a:r>
-            <a:r>
-              <a:rPr lang="en-US" altLang="zh-CN" dirty="0" err="1" smtClean="0"/>
-              <a:t>etc</a:t>
-            </a:r>
-            <a:r>
-              <a:rPr lang="en-US" altLang="zh-CN" dirty="0" smtClean="0"/>
-              <a:t>/password', (err, stats)=&gt;{</a:t>
-            </a:r>
-          </a:p>
-          <a:p>
-            <a:r>
-              <a:rPr lang="en-US" altLang="zh-CN" dirty="0" smtClean="0"/>
-              <a:t>		if(err) throw err;</a:t>
-            </a:r>
-          </a:p>
-          <a:p>
-            <a:endParaRPr lang="en-US" altLang="zh-CN" dirty="0" smtClean="0"/>
-          </a:p>
-          <a:p>
-            <a:r>
-              <a:rPr lang="en-US" altLang="zh-CN" dirty="0" smtClean="0"/>
-              <a:t>		console.log(stats);</a:t>
-            </a:r>
-          </a:p>
-          <a:p>
-            <a:r>
-              <a:rPr lang="en-US" altLang="zh-CN" dirty="0" smtClean="0"/>
-              <a:t>	}	</a:t>
+              <a:t>JSON.stringify</a:t>
+            </a:r>
+            <a:r>
+              <a:rPr lang="en-US" altLang="zh-CN" dirty="0" smtClean="0"/>
+              <a:t>(stats)}`);</a:t>
+            </a:r>
+          </a:p>
+          <a:p>
+            <a:r>
+              <a:rPr lang="en-US" altLang="zh-CN" dirty="0" smtClean="0"/>
+              <a:t>});</a:t>
             </a:r>
             <a:endParaRPr lang="zh-CN" altLang="en-US" dirty="0"/>
           </a:p>
@@ -7437,7 +8123,7 @@
     </p:spTree>
     <p:extLst>
       <p:ext uri="{BB962C8B-B14F-4D97-AF65-F5344CB8AC3E}">
-        <p14:creationId xmlns:p14="http://schemas.microsoft.com/office/powerpoint/2010/main" val="1014732252"/>
+        <p14:creationId xmlns:p14="http://schemas.microsoft.com/office/powerpoint/2010/main" val="2395348181"/>
       </p:ext>
     </p:extLst>
   </p:cSld>
